--- a/ENG19CS006(Abhay V R)(DL assignment 2).pptx
+++ b/ENG19CS006(Abhay V R)(DL assignment 2).pptx
@@ -1,30 +1,39 @@
 
 <file path=ppt/presentation.xml><?xml version="1.0" encoding="utf-8"?>
-<p:presentation xmlns:a="http://schemas.openxmlformats.org/drawingml/2006/main" xmlns:r="http://schemas.openxmlformats.org/officeDocument/2006/relationships" xmlns:p="http://schemas.openxmlformats.org/presentationml/2006/main" autoCompressPictures="0">
+<p:presentation xmlns:a="http://schemas.openxmlformats.org/drawingml/2006/main" xmlns:r="http://schemas.openxmlformats.org/officeDocument/2006/relationships" xmlns:mc="http://schemas.openxmlformats.org/markup-compatibility/2006" xmlns:mv="urn:schemas-microsoft-com:mac:vml" xmlns:p="http://schemas.openxmlformats.org/presentationml/2006/main" xmlns:c="http://schemas.openxmlformats.org/drawingml/2006/chart" xmlns:dgm="http://schemas.openxmlformats.org/drawingml/2006/diagram" xmlns:o="urn:schemas-microsoft-com:office:office" xmlns:v="urn:schemas-microsoft-com:vml" xmlns:pvml="urn:schemas-microsoft-com:office:powerpoint" xmlns:com="http://schemas.openxmlformats.org/drawingml/2006/compatibility" xmlns:p14="http://schemas.microsoft.com/office/powerpoint/2010/main" xmlns:p15="http://schemas.microsoft.com/office/powerpoint/2012/main" xmlns:ahyp="http://schemas.microsoft.com/office/drawing/2018/hyperlinkcolor" autoCompressPictures="0" strictFirstAndLastChars="0" saveSubsetFonts="1">
   <p:sldMasterIdLst>
-    <p:sldMasterId id="2147483648" r:id="rId1"/>
+    <p:sldMasterId id="2147483648" r:id="rId3"/>
   </p:sldMasterIdLst>
   <p:notesMasterIdLst>
-    <p:notesMasterId r:id="rId10"/>
+    <p:notesMasterId r:id="rId4"/>
   </p:notesMasterIdLst>
   <p:sldIdLst>
-    <p:sldId id="257" r:id="rId2"/>
-    <p:sldId id="258" r:id="rId3"/>
-    <p:sldId id="259" r:id="rId4"/>
-    <p:sldId id="260" r:id="rId5"/>
-    <p:sldId id="261" r:id="rId6"/>
-    <p:sldId id="262" r:id="rId7"/>
-    <p:sldId id="263" r:id="rId8"/>
-    <p:sldId id="264" r:id="rId9"/>
+    <p:sldId id="256" r:id="rId5"/>
+    <p:sldId id="257" r:id="rId6"/>
+    <p:sldId id="258" r:id="rId7"/>
+    <p:sldId id="259" r:id="rId8"/>
+    <p:sldId id="260" r:id="rId9"/>
+    <p:sldId id="261" r:id="rId10"/>
+    <p:sldId id="262" r:id="rId11"/>
+    <p:sldId id="263" r:id="rId12"/>
+    <p:sldId id="264" r:id="rId13"/>
+    <p:sldId id="265" r:id="rId14"/>
+    <p:sldId id="266" r:id="rId15"/>
+    <p:sldId id="267" r:id="rId16"/>
+    <p:sldId id="268" r:id="rId17"/>
+    <p:sldId id="269" r:id="rId18"/>
+    <p:sldId id="270" r:id="rId19"/>
+    <p:sldId id="271" r:id="rId20"/>
+    <p:sldId id="272" r:id="rId21"/>
   </p:sldIdLst>
-  <p:sldSz cx="12192000" cy="6858000"/>
+  <p:sldSz cy="6858000" cx="12192000"/>
   <p:notesSz cx="6858000" cy="9144000"/>
   <p:defaultTextStyle>
-    <a:defPPr>
+    <a:defPPr lvl="0">
       <a:defRPr lang="en-US"/>
     </a:defPPr>
-    <a:lvl1pPr marL="0" algn="l" defTabSz="457200" rtl="0" eaLnBrk="1" latinLnBrk="0" hangingPunct="1">
-      <a:defRPr sz="1800" kern="1200">
+    <a:lvl1pPr defTabSz="457200" eaLnBrk="1" hangingPunct="1" latinLnBrk="0" lvl="0" marL="0" rtl="0" algn="l">
+      <a:defRPr kern="1200" sz="1800">
         <a:solidFill>
           <a:schemeClr val="tx1"/>
         </a:solidFill>
@@ -33,8 +42,8 @@
         <a:cs typeface="+mn-cs"/>
       </a:defRPr>
     </a:lvl1pPr>
-    <a:lvl2pPr marL="457200" algn="l" defTabSz="457200" rtl="0" eaLnBrk="1" latinLnBrk="0" hangingPunct="1">
-      <a:defRPr sz="1800" kern="1200">
+    <a:lvl2pPr defTabSz="457200" eaLnBrk="1" hangingPunct="1" latinLnBrk="0" lvl="1" marL="457200" rtl="0" algn="l">
+      <a:defRPr kern="1200" sz="1800">
         <a:solidFill>
           <a:schemeClr val="tx1"/>
         </a:solidFill>
@@ -43,8 +52,8 @@
         <a:cs typeface="+mn-cs"/>
       </a:defRPr>
     </a:lvl2pPr>
-    <a:lvl3pPr marL="914400" algn="l" defTabSz="457200" rtl="0" eaLnBrk="1" latinLnBrk="0" hangingPunct="1">
-      <a:defRPr sz="1800" kern="1200">
+    <a:lvl3pPr defTabSz="457200" eaLnBrk="1" hangingPunct="1" latinLnBrk="0" lvl="2" marL="914400" rtl="0" algn="l">
+      <a:defRPr kern="1200" sz="1800">
         <a:solidFill>
           <a:schemeClr val="tx1"/>
         </a:solidFill>
@@ -53,8 +62,8 @@
         <a:cs typeface="+mn-cs"/>
       </a:defRPr>
     </a:lvl3pPr>
-    <a:lvl4pPr marL="1371600" algn="l" defTabSz="457200" rtl="0" eaLnBrk="1" latinLnBrk="0" hangingPunct="1">
-      <a:defRPr sz="1800" kern="1200">
+    <a:lvl4pPr defTabSz="457200" eaLnBrk="1" hangingPunct="1" latinLnBrk="0" lvl="3" marL="1371600" rtl="0" algn="l">
+      <a:defRPr kern="1200" sz="1800">
         <a:solidFill>
           <a:schemeClr val="tx1"/>
         </a:solidFill>
@@ -63,8 +72,8 @@
         <a:cs typeface="+mn-cs"/>
       </a:defRPr>
     </a:lvl4pPr>
-    <a:lvl5pPr marL="1828800" algn="l" defTabSz="457200" rtl="0" eaLnBrk="1" latinLnBrk="0" hangingPunct="1">
-      <a:defRPr sz="1800" kern="1200">
+    <a:lvl5pPr defTabSz="457200" eaLnBrk="1" hangingPunct="1" latinLnBrk="0" lvl="4" marL="1828800" rtl="0" algn="l">
+      <a:defRPr kern="1200" sz="1800">
         <a:solidFill>
           <a:schemeClr val="tx1"/>
         </a:solidFill>
@@ -73,8 +82,8 @@
         <a:cs typeface="+mn-cs"/>
       </a:defRPr>
     </a:lvl5pPr>
-    <a:lvl6pPr marL="2286000" algn="l" defTabSz="457200" rtl="0" eaLnBrk="1" latinLnBrk="0" hangingPunct="1">
-      <a:defRPr sz="1800" kern="1200">
+    <a:lvl6pPr defTabSz="457200" eaLnBrk="1" hangingPunct="1" latinLnBrk="0" lvl="5" marL="2286000" rtl="0" algn="l">
+      <a:defRPr kern="1200" sz="1800">
         <a:solidFill>
           <a:schemeClr val="tx1"/>
         </a:solidFill>
@@ -83,8 +92,8 @@
         <a:cs typeface="+mn-cs"/>
       </a:defRPr>
     </a:lvl6pPr>
-    <a:lvl7pPr marL="2743200" algn="l" defTabSz="457200" rtl="0" eaLnBrk="1" latinLnBrk="0" hangingPunct="1">
-      <a:defRPr sz="1800" kern="1200">
+    <a:lvl7pPr defTabSz="457200" eaLnBrk="1" hangingPunct="1" latinLnBrk="0" lvl="6" marL="2743200" rtl="0" algn="l">
+      <a:defRPr kern="1200" sz="1800">
         <a:solidFill>
           <a:schemeClr val="tx1"/>
         </a:solidFill>
@@ -93,8 +102,8 @@
         <a:cs typeface="+mn-cs"/>
       </a:defRPr>
     </a:lvl7pPr>
-    <a:lvl8pPr marL="3200400" algn="l" defTabSz="457200" rtl="0" eaLnBrk="1" latinLnBrk="0" hangingPunct="1">
-      <a:defRPr sz="1800" kern="1200">
+    <a:lvl8pPr defTabSz="457200" eaLnBrk="1" hangingPunct="1" latinLnBrk="0" lvl="7" marL="3200400" rtl="0" algn="l">
+      <a:defRPr kern="1200" sz="1800">
         <a:solidFill>
           <a:schemeClr val="tx1"/>
         </a:solidFill>
@@ -103,8 +112,8 @@
         <a:cs typeface="+mn-cs"/>
       </a:defRPr>
     </a:lvl8pPr>
-    <a:lvl9pPr marL="3657600" algn="l" defTabSz="457200" rtl="0" eaLnBrk="1" latinLnBrk="0" hangingPunct="1">
-      <a:defRPr sz="1800" kern="1200">
+    <a:lvl9pPr defTabSz="457200" eaLnBrk="1" hangingPunct="1" latinLnBrk="0" lvl="8" marL="3657600" rtl="0" algn="l">
+      <a:defRPr kern="1200" sz="1800">
         <a:solidFill>
           <a:schemeClr val="tx1"/>
         </a:solidFill>
@@ -114,12 +123,11 @@
       </a:defRPr>
     </a:lvl9pPr>
   </p:defaultTextStyle>
-  <p:extLst>
-    <p:ext uri="{EFAFB233-063F-42B5-8137-9DF3F51BA10A}">
-      <p15:sldGuideLst xmlns:p15="http://schemas.microsoft.com/office/powerpoint/2012/main"/>
-    </p:ext>
-  </p:extLst>
 </p:presentation>
+</file>
+
+<file path=ppt/presProps4.xml><?xml version="1.0" encoding="utf-8"?>
+<p:presentationPr xmlns:a="http://schemas.openxmlformats.org/drawingml/2006/main" xmlns:r="http://schemas.openxmlformats.org/officeDocument/2006/relationships" xmlns:mc="http://schemas.openxmlformats.org/markup-compatibility/2006" xmlns:mv="urn:schemas-microsoft-com:mac:vml" xmlns:p="http://schemas.openxmlformats.org/presentationml/2006/main" xmlns:c="http://schemas.openxmlformats.org/drawingml/2006/chart" xmlns:dgm="http://schemas.openxmlformats.org/drawingml/2006/diagram" xmlns:o="urn:schemas-microsoft-com:office:office" xmlns:v="urn:schemas-microsoft-com:vml" xmlns:pvml="urn:schemas-microsoft-com:office:powerpoint" xmlns:com="http://schemas.openxmlformats.org/drawingml/2006/compatibility" xmlns:p14="http://schemas.microsoft.com/office/powerpoint/2010/main" xmlns:p15="http://schemas.microsoft.com/office/powerpoint/2012/main" xmlns:ahyp="http://schemas.microsoft.com/office/drawing/2018/hyperlinkcolor"/>
 </file>
 
 <file path=ppt/notesMasters/notesMaster1.xml><?xml version="1.0" encoding="utf-8"?>
@@ -576,6 +584,1136 @@
         <p14:creationId xmlns:p14="http://schemas.microsoft.com/office/powerpoint/2010/main" val="3883833732"/>
       </p:ext>
     </p:extLst>
+  </p:cSld>
+  <p:clrMapOvr>
+    <a:masterClrMapping/>
+  </p:clrMapOvr>
+</p:notes>
+</file>
+
+<file path=ppt/notesSlides/notesSlide10.xml><?xml version="1.0" encoding="utf-8"?>
+<p:notes xmlns:a="http://schemas.openxmlformats.org/drawingml/2006/main" xmlns:r="http://schemas.openxmlformats.org/officeDocument/2006/relationships" xmlns:mc="http://schemas.openxmlformats.org/markup-compatibility/2006" xmlns:mv="urn:schemas-microsoft-com:mac:vml" xmlns:p="http://schemas.openxmlformats.org/presentationml/2006/main" xmlns:c="http://schemas.openxmlformats.org/drawingml/2006/chart" xmlns:dgm="http://schemas.openxmlformats.org/drawingml/2006/diagram" xmlns:o="urn:schemas-microsoft-com:office:office" xmlns:v="urn:schemas-microsoft-com:vml" xmlns:pvml="urn:schemas-microsoft-com:office:powerpoint" xmlns:com="http://schemas.openxmlformats.org/drawingml/2006/compatibility" xmlns:p14="http://schemas.microsoft.com/office/powerpoint/2010/main" xmlns:p15="http://schemas.microsoft.com/office/powerpoint/2012/main" xmlns:ahyp="http://schemas.microsoft.com/office/drawing/2018/hyperlinkcolor" showMasterPhAnim="0" showMasterSp="0">
+  <p:cSld>
+    <p:spTree>
+      <p:nvGrpSpPr>
+        <p:cNvPr id="100414" name="Shape 100414"/>
+        <p:cNvGrpSpPr/>
+        <p:nvPr/>
+      </p:nvGrpSpPr>
+      <p:grpSpPr>
+        <a:xfrm>
+          <a:off x="0" y="0"/>
+          <a:ext cx="0" cy="0"/>
+          <a:chOff x="0" y="0"/>
+          <a:chExt cx="0" cy="0"/>
+        </a:xfrm>
+      </p:grpSpPr>
+      <p:sp>
+        <p:nvSpPr>
+          <p:cNvPr id="100415" name="Google Shape;100415;g7775be952fac0dc9_12:notes"/>
+          <p:cNvSpPr txBox="1"/>
+          <p:nvPr>
+            <p:ph idx="1" type="body"/>
+          </p:nvPr>
+        </p:nvSpPr>
+        <p:spPr>
+          <a:xfrm>
+            <a:off x="685800" y="4343400"/>
+            <a:ext cx="5486400" cy="4114800"/>
+          </a:xfrm>
+          <a:prstGeom prst="rect">
+            <a:avLst/>
+          </a:prstGeom>
+          <a:noFill/>
+          <a:ln>
+            <a:noFill/>
+          </a:ln>
+        </p:spPr>
+        <p:txBody>
+          <a:bodyPr anchorCtr="0" anchor="t" bIns="45700" lIns="91425" spcFirstLastPara="1" rIns="91425" wrap="square" tIns="45700">
+            <a:noAutofit/>
+          </a:bodyPr>
+          <a:lstStyle/>
+          <a:p>
+            <a:pPr indent="0" lvl="0" marL="0" rtl="0" algn="l">
+              <a:spcBef>
+                <a:spcPts val="0"/>
+              </a:spcBef>
+              <a:spcAft>
+                <a:spcPts val="0"/>
+              </a:spcAft>
+              <a:buNone/>
+            </a:pPr>
+            <a:r>
+              <a:t/>
+            </a:r>
+            <a:endParaRPr/>
+          </a:p>
+        </p:txBody>
+      </p:sp>
+      <p:sp>
+        <p:nvSpPr>
+          <p:cNvPr id="100416" name="Google Shape;100416;g7775be952fac0dc9_12:notes"/>
+          <p:cNvSpPr/>
+          <p:nvPr>
+            <p:ph idx="2" type="sldImg"/>
+          </p:nvPr>
+        </p:nvSpPr>
+        <p:spPr>
+          <a:xfrm>
+            <a:off x="1143225" y="685800"/>
+            <a:ext cx="4572300" cy="3429000"/>
+          </a:xfrm>
+          <a:custGeom>
+            <a:rect b="b" l="l" r="r" t="t"/>
+            <a:pathLst>
+              <a:path extrusionOk="0" h="120000" w="120000">
+                <a:moveTo>
+                  <a:pt x="0" y="0"/>
+                </a:moveTo>
+                <a:lnTo>
+                  <a:pt x="120000" y="0"/>
+                </a:lnTo>
+                <a:lnTo>
+                  <a:pt x="120000" y="120000"/>
+                </a:lnTo>
+                <a:lnTo>
+                  <a:pt x="0" y="120000"/>
+                </a:lnTo>
+                <a:close/>
+              </a:path>
+            </a:pathLst>
+          </a:custGeom>
+          <a:noFill/>
+          <a:ln cap="flat" cmpd="sng" w="12700">
+            <a:solidFill>
+              <a:srgbClr val="000000"/>
+            </a:solidFill>
+            <a:prstDash val="solid"/>
+            <a:round/>
+            <a:headEnd len="sm" w="sm" type="none"/>
+            <a:tailEnd len="sm" w="sm" type="none"/>
+          </a:ln>
+        </p:spPr>
+      </p:sp>
+    </p:spTree>
+  </p:cSld>
+  <p:clrMapOvr>
+    <a:masterClrMapping/>
+  </p:clrMapOvr>
+</p:notes>
+</file>
+
+<file path=ppt/notesSlides/notesSlide11.xml><?xml version="1.0" encoding="utf-8"?>
+<p:notes xmlns:a="http://schemas.openxmlformats.org/drawingml/2006/main" xmlns:r="http://schemas.openxmlformats.org/officeDocument/2006/relationships" xmlns:mc="http://schemas.openxmlformats.org/markup-compatibility/2006" xmlns:mv="urn:schemas-microsoft-com:mac:vml" xmlns:p="http://schemas.openxmlformats.org/presentationml/2006/main" xmlns:c="http://schemas.openxmlformats.org/drawingml/2006/chart" xmlns:dgm="http://schemas.openxmlformats.org/drawingml/2006/diagram" xmlns:o="urn:schemas-microsoft-com:office:office" xmlns:v="urn:schemas-microsoft-com:vml" xmlns:pvml="urn:schemas-microsoft-com:office:powerpoint" xmlns:com="http://schemas.openxmlformats.org/drawingml/2006/compatibility" xmlns:p14="http://schemas.microsoft.com/office/powerpoint/2010/main" xmlns:p15="http://schemas.microsoft.com/office/powerpoint/2012/main" xmlns:ahyp="http://schemas.microsoft.com/office/drawing/2018/hyperlinkcolor" showMasterPhAnim="0" showMasterSp="0">
+  <p:cSld>
+    <p:spTree>
+      <p:nvGrpSpPr>
+        <p:cNvPr id="100421" name="Shape 100421"/>
+        <p:cNvGrpSpPr/>
+        <p:nvPr/>
+      </p:nvGrpSpPr>
+      <p:grpSpPr>
+        <a:xfrm>
+          <a:off x="0" y="0"/>
+          <a:ext cx="0" cy="0"/>
+          <a:chOff x="0" y="0"/>
+          <a:chExt cx="0" cy="0"/>
+        </a:xfrm>
+      </p:grpSpPr>
+      <p:sp>
+        <p:nvSpPr>
+          <p:cNvPr id="100422" name="Google Shape;100422;g7775be952fac0dc9_18:notes"/>
+          <p:cNvSpPr txBox="1"/>
+          <p:nvPr>
+            <p:ph idx="1" type="body"/>
+          </p:nvPr>
+        </p:nvSpPr>
+        <p:spPr>
+          <a:xfrm>
+            <a:off x="685800" y="4343400"/>
+            <a:ext cx="5486400" cy="4114800"/>
+          </a:xfrm>
+          <a:prstGeom prst="rect">
+            <a:avLst/>
+          </a:prstGeom>
+          <a:noFill/>
+          <a:ln>
+            <a:noFill/>
+          </a:ln>
+        </p:spPr>
+        <p:txBody>
+          <a:bodyPr anchorCtr="0" anchor="t" bIns="45700" lIns="91425" spcFirstLastPara="1" rIns="91425" wrap="square" tIns="45700">
+            <a:noAutofit/>
+          </a:bodyPr>
+          <a:lstStyle/>
+          <a:p>
+            <a:pPr indent="0" lvl="0" marL="0" rtl="0" algn="l">
+              <a:spcBef>
+                <a:spcPts val="0"/>
+              </a:spcBef>
+              <a:spcAft>
+                <a:spcPts val="0"/>
+              </a:spcAft>
+              <a:buNone/>
+            </a:pPr>
+            <a:r>
+              <a:t/>
+            </a:r>
+            <a:endParaRPr/>
+          </a:p>
+        </p:txBody>
+      </p:sp>
+      <p:sp>
+        <p:nvSpPr>
+          <p:cNvPr id="100423" name="Google Shape;100423;g7775be952fac0dc9_18:notes"/>
+          <p:cNvSpPr/>
+          <p:nvPr>
+            <p:ph idx="2" type="sldImg"/>
+          </p:nvPr>
+        </p:nvSpPr>
+        <p:spPr>
+          <a:xfrm>
+            <a:off x="1143225" y="685800"/>
+            <a:ext cx="4572300" cy="3429000"/>
+          </a:xfrm>
+          <a:custGeom>
+            <a:rect b="b" l="l" r="r" t="t"/>
+            <a:pathLst>
+              <a:path extrusionOk="0" h="120000" w="120000">
+                <a:moveTo>
+                  <a:pt x="0" y="0"/>
+                </a:moveTo>
+                <a:lnTo>
+                  <a:pt x="120000" y="0"/>
+                </a:lnTo>
+                <a:lnTo>
+                  <a:pt x="120000" y="120000"/>
+                </a:lnTo>
+                <a:lnTo>
+                  <a:pt x="0" y="120000"/>
+                </a:lnTo>
+                <a:close/>
+              </a:path>
+            </a:pathLst>
+          </a:custGeom>
+          <a:noFill/>
+          <a:ln cap="flat" cmpd="sng" w="12700">
+            <a:solidFill>
+              <a:srgbClr val="000000"/>
+            </a:solidFill>
+            <a:prstDash val="solid"/>
+            <a:round/>
+            <a:headEnd len="sm" w="sm" type="none"/>
+            <a:tailEnd len="sm" w="sm" type="none"/>
+          </a:ln>
+        </p:spPr>
+      </p:sp>
+    </p:spTree>
+  </p:cSld>
+  <p:clrMapOvr>
+    <a:masterClrMapping/>
+  </p:clrMapOvr>
+</p:notes>
+</file>
+
+<file path=ppt/notesSlides/notesSlide12.xml><?xml version="1.0" encoding="utf-8"?>
+<p:notes xmlns:a="http://schemas.openxmlformats.org/drawingml/2006/main" xmlns:r="http://schemas.openxmlformats.org/officeDocument/2006/relationships" xmlns:mc="http://schemas.openxmlformats.org/markup-compatibility/2006" xmlns:mv="urn:schemas-microsoft-com:mac:vml" xmlns:p="http://schemas.openxmlformats.org/presentationml/2006/main" xmlns:c="http://schemas.openxmlformats.org/drawingml/2006/chart" xmlns:dgm="http://schemas.openxmlformats.org/drawingml/2006/diagram" xmlns:o="urn:schemas-microsoft-com:office:office" xmlns:v="urn:schemas-microsoft-com:vml" xmlns:pvml="urn:schemas-microsoft-com:office:powerpoint" xmlns:com="http://schemas.openxmlformats.org/drawingml/2006/compatibility" xmlns:p14="http://schemas.microsoft.com/office/powerpoint/2010/main" xmlns:p15="http://schemas.microsoft.com/office/powerpoint/2012/main" xmlns:ahyp="http://schemas.microsoft.com/office/drawing/2018/hyperlinkcolor" showMasterPhAnim="0" showMasterSp="0">
+  <p:cSld>
+    <p:spTree>
+      <p:nvGrpSpPr>
+        <p:cNvPr id="100428" name="Shape 100428"/>
+        <p:cNvGrpSpPr/>
+        <p:nvPr/>
+      </p:nvGrpSpPr>
+      <p:grpSpPr>
+        <a:xfrm>
+          <a:off x="0" y="0"/>
+          <a:ext cx="0" cy="0"/>
+          <a:chOff x="0" y="0"/>
+          <a:chExt cx="0" cy="0"/>
+        </a:xfrm>
+      </p:grpSpPr>
+      <p:sp>
+        <p:nvSpPr>
+          <p:cNvPr id="100429" name="Google Shape;100429;g7775be952fac0dc9_24:notes"/>
+          <p:cNvSpPr txBox="1"/>
+          <p:nvPr>
+            <p:ph idx="1" type="body"/>
+          </p:nvPr>
+        </p:nvSpPr>
+        <p:spPr>
+          <a:xfrm>
+            <a:off x="685800" y="4343400"/>
+            <a:ext cx="5486400" cy="4114800"/>
+          </a:xfrm>
+          <a:prstGeom prst="rect">
+            <a:avLst/>
+          </a:prstGeom>
+          <a:noFill/>
+          <a:ln>
+            <a:noFill/>
+          </a:ln>
+        </p:spPr>
+        <p:txBody>
+          <a:bodyPr anchorCtr="0" anchor="t" bIns="45700" lIns="91425" spcFirstLastPara="1" rIns="91425" wrap="square" tIns="45700">
+            <a:noAutofit/>
+          </a:bodyPr>
+          <a:lstStyle/>
+          <a:p>
+            <a:pPr indent="0" lvl="0" marL="0" rtl="0" algn="l">
+              <a:spcBef>
+                <a:spcPts val="0"/>
+              </a:spcBef>
+              <a:spcAft>
+                <a:spcPts val="0"/>
+              </a:spcAft>
+              <a:buNone/>
+            </a:pPr>
+            <a:r>
+              <a:t/>
+            </a:r>
+            <a:endParaRPr/>
+          </a:p>
+        </p:txBody>
+      </p:sp>
+      <p:sp>
+        <p:nvSpPr>
+          <p:cNvPr id="100430" name="Google Shape;100430;g7775be952fac0dc9_24:notes"/>
+          <p:cNvSpPr/>
+          <p:nvPr>
+            <p:ph idx="2" type="sldImg"/>
+          </p:nvPr>
+        </p:nvSpPr>
+        <p:spPr>
+          <a:xfrm>
+            <a:off x="1143225" y="685800"/>
+            <a:ext cx="4572300" cy="3429000"/>
+          </a:xfrm>
+          <a:custGeom>
+            <a:rect b="b" l="l" r="r" t="t"/>
+            <a:pathLst>
+              <a:path extrusionOk="0" h="120000" w="120000">
+                <a:moveTo>
+                  <a:pt x="0" y="0"/>
+                </a:moveTo>
+                <a:lnTo>
+                  <a:pt x="120000" y="0"/>
+                </a:lnTo>
+                <a:lnTo>
+                  <a:pt x="120000" y="120000"/>
+                </a:lnTo>
+                <a:lnTo>
+                  <a:pt x="0" y="120000"/>
+                </a:lnTo>
+                <a:close/>
+              </a:path>
+            </a:pathLst>
+          </a:custGeom>
+          <a:noFill/>
+          <a:ln cap="flat" cmpd="sng" w="12700">
+            <a:solidFill>
+              <a:srgbClr val="000000"/>
+            </a:solidFill>
+            <a:prstDash val="solid"/>
+            <a:round/>
+            <a:headEnd len="sm" w="sm" type="none"/>
+            <a:tailEnd len="sm" w="sm" type="none"/>
+          </a:ln>
+        </p:spPr>
+      </p:sp>
+    </p:spTree>
+  </p:cSld>
+  <p:clrMapOvr>
+    <a:masterClrMapping/>
+  </p:clrMapOvr>
+</p:notes>
+</file>
+
+<file path=ppt/notesSlides/notesSlide3.xml><?xml version="1.0" encoding="utf-8"?>
+<p:notes xmlns:a="http://schemas.openxmlformats.org/drawingml/2006/main" xmlns:r="http://schemas.openxmlformats.org/officeDocument/2006/relationships" xmlns:mc="http://schemas.openxmlformats.org/markup-compatibility/2006" xmlns:mv="urn:schemas-microsoft-com:mac:vml" xmlns:p="http://schemas.openxmlformats.org/presentationml/2006/main" xmlns:c="http://schemas.openxmlformats.org/drawingml/2006/chart" xmlns:dgm="http://schemas.openxmlformats.org/drawingml/2006/diagram" xmlns:o="urn:schemas-microsoft-com:office:office" xmlns:v="urn:schemas-microsoft-com:vml" xmlns:pvml="urn:schemas-microsoft-com:office:powerpoint" xmlns:com="http://schemas.openxmlformats.org/drawingml/2006/compatibility" xmlns:p14="http://schemas.microsoft.com/office/powerpoint/2010/main" xmlns:p15="http://schemas.microsoft.com/office/powerpoint/2012/main" xmlns:ahyp="http://schemas.microsoft.com/office/drawing/2018/hyperlinkcolor" showMasterPhAnim="0" showMasterSp="0">
+  <p:cSld>
+    <p:spTree>
+      <p:nvGrpSpPr>
+        <p:cNvPr id="100365" name="Shape 100365"/>
+        <p:cNvGrpSpPr/>
+        <p:nvPr/>
+      </p:nvGrpSpPr>
+      <p:grpSpPr>
+        <a:xfrm>
+          <a:off x="0" y="0"/>
+          <a:ext cx="0" cy="0"/>
+          <a:chOff x="0" y="0"/>
+          <a:chExt cx="0" cy="0"/>
+        </a:xfrm>
+      </p:grpSpPr>
+      <p:sp>
+        <p:nvSpPr>
+          <p:cNvPr id="100366" name="Google Shape;100366;g6c07a59a73f43f31_0:notes"/>
+          <p:cNvSpPr txBox="1"/>
+          <p:nvPr>
+            <p:ph idx="1" type="body"/>
+          </p:nvPr>
+        </p:nvSpPr>
+        <p:spPr>
+          <a:xfrm>
+            <a:off x="685800" y="4343400"/>
+            <a:ext cx="5486400" cy="4114800"/>
+          </a:xfrm>
+          <a:prstGeom prst="rect">
+            <a:avLst/>
+          </a:prstGeom>
+          <a:noFill/>
+          <a:ln>
+            <a:noFill/>
+          </a:ln>
+        </p:spPr>
+        <p:txBody>
+          <a:bodyPr anchorCtr="0" anchor="t" bIns="45700" lIns="91425" spcFirstLastPara="1" rIns="91425" wrap="square" tIns="45700">
+            <a:noAutofit/>
+          </a:bodyPr>
+          <a:lstStyle/>
+          <a:p>
+            <a:pPr indent="0" lvl="0" marL="0" rtl="0" algn="l">
+              <a:spcBef>
+                <a:spcPts val="0"/>
+              </a:spcBef>
+              <a:spcAft>
+                <a:spcPts val="0"/>
+              </a:spcAft>
+              <a:buNone/>
+            </a:pPr>
+            <a:r>
+              <a:t/>
+            </a:r>
+            <a:endParaRPr/>
+          </a:p>
+        </p:txBody>
+      </p:sp>
+      <p:sp>
+        <p:nvSpPr>
+          <p:cNvPr id="100367" name="Google Shape;100367;g6c07a59a73f43f31_0:notes"/>
+          <p:cNvSpPr/>
+          <p:nvPr>
+            <p:ph idx="2" type="sldImg"/>
+          </p:nvPr>
+        </p:nvSpPr>
+        <p:spPr>
+          <a:xfrm>
+            <a:off x="1143225" y="685800"/>
+            <a:ext cx="4572300" cy="3429000"/>
+          </a:xfrm>
+          <a:custGeom>
+            <a:rect b="b" l="l" r="r" t="t"/>
+            <a:pathLst>
+              <a:path extrusionOk="0" h="120000" w="120000">
+                <a:moveTo>
+                  <a:pt x="0" y="0"/>
+                </a:moveTo>
+                <a:lnTo>
+                  <a:pt x="120000" y="0"/>
+                </a:lnTo>
+                <a:lnTo>
+                  <a:pt x="120000" y="120000"/>
+                </a:lnTo>
+                <a:lnTo>
+                  <a:pt x="0" y="120000"/>
+                </a:lnTo>
+                <a:close/>
+              </a:path>
+            </a:pathLst>
+          </a:custGeom>
+          <a:noFill/>
+          <a:ln cap="flat" cmpd="sng" w="12700">
+            <a:solidFill>
+              <a:srgbClr val="000000"/>
+            </a:solidFill>
+            <a:prstDash val="solid"/>
+            <a:round/>
+            <a:headEnd len="sm" w="sm" type="none"/>
+            <a:tailEnd len="sm" w="sm" type="none"/>
+          </a:ln>
+        </p:spPr>
+      </p:sp>
+    </p:spTree>
+  </p:cSld>
+  <p:clrMapOvr>
+    <a:masterClrMapping/>
+  </p:clrMapOvr>
+</p:notes>
+</file>
+
+<file path=ppt/notesSlides/notesSlide4.xml><?xml version="1.0" encoding="utf-8"?>
+<p:notes xmlns:a="http://schemas.openxmlformats.org/drawingml/2006/main" xmlns:r="http://schemas.openxmlformats.org/officeDocument/2006/relationships" xmlns:mc="http://schemas.openxmlformats.org/markup-compatibility/2006" xmlns:mv="urn:schemas-microsoft-com:mac:vml" xmlns:p="http://schemas.openxmlformats.org/presentationml/2006/main" xmlns:c="http://schemas.openxmlformats.org/drawingml/2006/chart" xmlns:dgm="http://schemas.openxmlformats.org/drawingml/2006/diagram" xmlns:o="urn:schemas-microsoft-com:office:office" xmlns:v="urn:schemas-microsoft-com:vml" xmlns:pvml="urn:schemas-microsoft-com:office:powerpoint" xmlns:com="http://schemas.openxmlformats.org/drawingml/2006/compatibility" xmlns:p14="http://schemas.microsoft.com/office/powerpoint/2010/main" xmlns:p15="http://schemas.microsoft.com/office/powerpoint/2012/main" xmlns:ahyp="http://schemas.microsoft.com/office/drawing/2018/hyperlinkcolor" showMasterPhAnim="0" showMasterSp="0">
+  <p:cSld>
+    <p:spTree>
+      <p:nvGrpSpPr>
+        <p:cNvPr id="100372" name="Shape 100372"/>
+        <p:cNvGrpSpPr/>
+        <p:nvPr/>
+      </p:nvGrpSpPr>
+      <p:grpSpPr>
+        <a:xfrm>
+          <a:off x="0" y="0"/>
+          <a:ext cx="0" cy="0"/>
+          <a:chOff x="0" y="0"/>
+          <a:chExt cx="0" cy="0"/>
+        </a:xfrm>
+      </p:grpSpPr>
+      <p:sp>
+        <p:nvSpPr>
+          <p:cNvPr id="100373" name="Google Shape;100373;g6c07a59a73f43f31_6:notes"/>
+          <p:cNvSpPr txBox="1"/>
+          <p:nvPr>
+            <p:ph idx="1" type="body"/>
+          </p:nvPr>
+        </p:nvSpPr>
+        <p:spPr>
+          <a:xfrm>
+            <a:off x="685800" y="4343400"/>
+            <a:ext cx="5486400" cy="4114800"/>
+          </a:xfrm>
+          <a:prstGeom prst="rect">
+            <a:avLst/>
+          </a:prstGeom>
+          <a:noFill/>
+          <a:ln>
+            <a:noFill/>
+          </a:ln>
+        </p:spPr>
+        <p:txBody>
+          <a:bodyPr anchorCtr="0" anchor="t" bIns="45700" lIns="91425" spcFirstLastPara="1" rIns="91425" wrap="square" tIns="45700">
+            <a:noAutofit/>
+          </a:bodyPr>
+          <a:lstStyle/>
+          <a:p>
+            <a:pPr indent="0" lvl="0" marL="0" rtl="0" algn="l">
+              <a:spcBef>
+                <a:spcPts val="0"/>
+              </a:spcBef>
+              <a:spcAft>
+                <a:spcPts val="0"/>
+              </a:spcAft>
+              <a:buNone/>
+            </a:pPr>
+            <a:r>
+              <a:t/>
+            </a:r>
+            <a:endParaRPr/>
+          </a:p>
+        </p:txBody>
+      </p:sp>
+      <p:sp>
+        <p:nvSpPr>
+          <p:cNvPr id="100374" name="Google Shape;100374;g6c07a59a73f43f31_6:notes"/>
+          <p:cNvSpPr/>
+          <p:nvPr>
+            <p:ph idx="2" type="sldImg"/>
+          </p:nvPr>
+        </p:nvSpPr>
+        <p:spPr>
+          <a:xfrm>
+            <a:off x="1143225" y="685800"/>
+            <a:ext cx="4572300" cy="3429000"/>
+          </a:xfrm>
+          <a:custGeom>
+            <a:rect b="b" l="l" r="r" t="t"/>
+            <a:pathLst>
+              <a:path extrusionOk="0" h="120000" w="120000">
+                <a:moveTo>
+                  <a:pt x="0" y="0"/>
+                </a:moveTo>
+                <a:lnTo>
+                  <a:pt x="120000" y="0"/>
+                </a:lnTo>
+                <a:lnTo>
+                  <a:pt x="120000" y="120000"/>
+                </a:lnTo>
+                <a:lnTo>
+                  <a:pt x="0" y="120000"/>
+                </a:lnTo>
+                <a:close/>
+              </a:path>
+            </a:pathLst>
+          </a:custGeom>
+          <a:noFill/>
+          <a:ln cap="flat" cmpd="sng" w="12700">
+            <a:solidFill>
+              <a:srgbClr val="000000"/>
+            </a:solidFill>
+            <a:prstDash val="solid"/>
+            <a:round/>
+            <a:headEnd len="sm" w="sm" type="none"/>
+            <a:tailEnd len="sm" w="sm" type="none"/>
+          </a:ln>
+        </p:spPr>
+      </p:sp>
+    </p:spTree>
+  </p:cSld>
+  <p:clrMapOvr>
+    <a:masterClrMapping/>
+  </p:clrMapOvr>
+</p:notes>
+</file>
+
+<file path=ppt/notesSlides/notesSlide5.xml><?xml version="1.0" encoding="utf-8"?>
+<p:notes xmlns:a="http://schemas.openxmlformats.org/drawingml/2006/main" xmlns:r="http://schemas.openxmlformats.org/officeDocument/2006/relationships" xmlns:mc="http://schemas.openxmlformats.org/markup-compatibility/2006" xmlns:mv="urn:schemas-microsoft-com:mac:vml" xmlns:p="http://schemas.openxmlformats.org/presentationml/2006/main" xmlns:c="http://schemas.openxmlformats.org/drawingml/2006/chart" xmlns:dgm="http://schemas.openxmlformats.org/drawingml/2006/diagram" xmlns:o="urn:schemas-microsoft-com:office:office" xmlns:v="urn:schemas-microsoft-com:vml" xmlns:pvml="urn:schemas-microsoft-com:office:powerpoint" xmlns:com="http://schemas.openxmlformats.org/drawingml/2006/compatibility" xmlns:p14="http://schemas.microsoft.com/office/powerpoint/2010/main" xmlns:p15="http://schemas.microsoft.com/office/powerpoint/2012/main" xmlns:ahyp="http://schemas.microsoft.com/office/drawing/2018/hyperlinkcolor" showMasterPhAnim="0" showMasterSp="0">
+  <p:cSld>
+    <p:spTree>
+      <p:nvGrpSpPr>
+        <p:cNvPr id="100379" name="Shape 100379"/>
+        <p:cNvGrpSpPr/>
+        <p:nvPr/>
+      </p:nvGrpSpPr>
+      <p:grpSpPr>
+        <a:xfrm>
+          <a:off x="0" y="0"/>
+          <a:ext cx="0" cy="0"/>
+          <a:chOff x="0" y="0"/>
+          <a:chExt cx="0" cy="0"/>
+        </a:xfrm>
+      </p:grpSpPr>
+      <p:sp>
+        <p:nvSpPr>
+          <p:cNvPr id="100380" name="Google Shape;100380;g6c07a59a73f43f31_12:notes"/>
+          <p:cNvSpPr txBox="1"/>
+          <p:nvPr>
+            <p:ph idx="1" type="body"/>
+          </p:nvPr>
+        </p:nvSpPr>
+        <p:spPr>
+          <a:xfrm>
+            <a:off x="685800" y="4343400"/>
+            <a:ext cx="5486400" cy="4114800"/>
+          </a:xfrm>
+          <a:prstGeom prst="rect">
+            <a:avLst/>
+          </a:prstGeom>
+          <a:noFill/>
+          <a:ln>
+            <a:noFill/>
+          </a:ln>
+        </p:spPr>
+        <p:txBody>
+          <a:bodyPr anchorCtr="0" anchor="t" bIns="45700" lIns="91425" spcFirstLastPara="1" rIns="91425" wrap="square" tIns="45700">
+            <a:noAutofit/>
+          </a:bodyPr>
+          <a:lstStyle/>
+          <a:p>
+            <a:pPr indent="0" lvl="0" marL="0" rtl="0" algn="l">
+              <a:spcBef>
+                <a:spcPts val="0"/>
+              </a:spcBef>
+              <a:spcAft>
+                <a:spcPts val="0"/>
+              </a:spcAft>
+              <a:buNone/>
+            </a:pPr>
+            <a:r>
+              <a:t/>
+            </a:r>
+            <a:endParaRPr/>
+          </a:p>
+        </p:txBody>
+      </p:sp>
+      <p:sp>
+        <p:nvSpPr>
+          <p:cNvPr id="100381" name="Google Shape;100381;g6c07a59a73f43f31_12:notes"/>
+          <p:cNvSpPr/>
+          <p:nvPr>
+            <p:ph idx="2" type="sldImg"/>
+          </p:nvPr>
+        </p:nvSpPr>
+        <p:spPr>
+          <a:xfrm>
+            <a:off x="1143225" y="685800"/>
+            <a:ext cx="4572300" cy="3429000"/>
+          </a:xfrm>
+          <a:custGeom>
+            <a:rect b="b" l="l" r="r" t="t"/>
+            <a:pathLst>
+              <a:path extrusionOk="0" h="120000" w="120000">
+                <a:moveTo>
+                  <a:pt x="0" y="0"/>
+                </a:moveTo>
+                <a:lnTo>
+                  <a:pt x="120000" y="0"/>
+                </a:lnTo>
+                <a:lnTo>
+                  <a:pt x="120000" y="120000"/>
+                </a:lnTo>
+                <a:lnTo>
+                  <a:pt x="0" y="120000"/>
+                </a:lnTo>
+                <a:close/>
+              </a:path>
+            </a:pathLst>
+          </a:custGeom>
+          <a:noFill/>
+          <a:ln cap="flat" cmpd="sng" w="12700">
+            <a:solidFill>
+              <a:srgbClr val="000000"/>
+            </a:solidFill>
+            <a:prstDash val="solid"/>
+            <a:round/>
+            <a:headEnd len="sm" w="sm" type="none"/>
+            <a:tailEnd len="sm" w="sm" type="none"/>
+          </a:ln>
+        </p:spPr>
+      </p:sp>
+    </p:spTree>
+  </p:cSld>
+  <p:clrMapOvr>
+    <a:masterClrMapping/>
+  </p:clrMapOvr>
+</p:notes>
+</file>
+
+<file path=ppt/notesSlides/notesSlide6.xml><?xml version="1.0" encoding="utf-8"?>
+<p:notes xmlns:a="http://schemas.openxmlformats.org/drawingml/2006/main" xmlns:r="http://schemas.openxmlformats.org/officeDocument/2006/relationships" xmlns:mc="http://schemas.openxmlformats.org/markup-compatibility/2006" xmlns:mv="urn:schemas-microsoft-com:mac:vml" xmlns:p="http://schemas.openxmlformats.org/presentationml/2006/main" xmlns:c="http://schemas.openxmlformats.org/drawingml/2006/chart" xmlns:dgm="http://schemas.openxmlformats.org/drawingml/2006/diagram" xmlns:o="urn:schemas-microsoft-com:office:office" xmlns:v="urn:schemas-microsoft-com:vml" xmlns:pvml="urn:schemas-microsoft-com:office:powerpoint" xmlns:com="http://schemas.openxmlformats.org/drawingml/2006/compatibility" xmlns:p14="http://schemas.microsoft.com/office/powerpoint/2010/main" xmlns:p15="http://schemas.microsoft.com/office/powerpoint/2012/main" xmlns:ahyp="http://schemas.microsoft.com/office/drawing/2018/hyperlinkcolor" showMasterPhAnim="0" showMasterSp="0">
+  <p:cSld>
+    <p:spTree>
+      <p:nvGrpSpPr>
+        <p:cNvPr id="100385" name="Shape 100385"/>
+        <p:cNvGrpSpPr/>
+        <p:nvPr/>
+      </p:nvGrpSpPr>
+      <p:grpSpPr>
+        <a:xfrm>
+          <a:off x="0" y="0"/>
+          <a:ext cx="0" cy="0"/>
+          <a:chOff x="0" y="0"/>
+          <a:chExt cx="0" cy="0"/>
+        </a:xfrm>
+      </p:grpSpPr>
+      <p:sp>
+        <p:nvSpPr>
+          <p:cNvPr id="100386" name="Google Shape;100386;g6c07a59a73f43f31_17:notes"/>
+          <p:cNvSpPr txBox="1"/>
+          <p:nvPr>
+            <p:ph idx="1" type="body"/>
+          </p:nvPr>
+        </p:nvSpPr>
+        <p:spPr>
+          <a:xfrm>
+            <a:off x="685800" y="4343400"/>
+            <a:ext cx="5486400" cy="4114800"/>
+          </a:xfrm>
+          <a:prstGeom prst="rect">
+            <a:avLst/>
+          </a:prstGeom>
+          <a:noFill/>
+          <a:ln>
+            <a:noFill/>
+          </a:ln>
+        </p:spPr>
+        <p:txBody>
+          <a:bodyPr anchorCtr="0" anchor="t" bIns="45700" lIns="91425" spcFirstLastPara="1" rIns="91425" wrap="square" tIns="45700">
+            <a:noAutofit/>
+          </a:bodyPr>
+          <a:lstStyle/>
+          <a:p>
+            <a:pPr indent="0" lvl="0" marL="0" rtl="0" algn="l">
+              <a:spcBef>
+                <a:spcPts val="0"/>
+              </a:spcBef>
+              <a:spcAft>
+                <a:spcPts val="0"/>
+              </a:spcAft>
+              <a:buNone/>
+            </a:pPr>
+            <a:r>
+              <a:t/>
+            </a:r>
+            <a:endParaRPr/>
+          </a:p>
+        </p:txBody>
+      </p:sp>
+      <p:sp>
+        <p:nvSpPr>
+          <p:cNvPr id="100387" name="Google Shape;100387;g6c07a59a73f43f31_17:notes"/>
+          <p:cNvSpPr/>
+          <p:nvPr>
+            <p:ph idx="2" type="sldImg"/>
+          </p:nvPr>
+        </p:nvSpPr>
+        <p:spPr>
+          <a:xfrm>
+            <a:off x="1143225" y="685800"/>
+            <a:ext cx="4572300" cy="3429000"/>
+          </a:xfrm>
+          <a:custGeom>
+            <a:rect b="b" l="l" r="r" t="t"/>
+            <a:pathLst>
+              <a:path extrusionOk="0" h="120000" w="120000">
+                <a:moveTo>
+                  <a:pt x="0" y="0"/>
+                </a:moveTo>
+                <a:lnTo>
+                  <a:pt x="120000" y="0"/>
+                </a:lnTo>
+                <a:lnTo>
+                  <a:pt x="120000" y="120000"/>
+                </a:lnTo>
+                <a:lnTo>
+                  <a:pt x="0" y="120000"/>
+                </a:lnTo>
+                <a:close/>
+              </a:path>
+            </a:pathLst>
+          </a:custGeom>
+          <a:noFill/>
+          <a:ln cap="flat" cmpd="sng" w="12700">
+            <a:solidFill>
+              <a:srgbClr val="000000"/>
+            </a:solidFill>
+            <a:prstDash val="solid"/>
+            <a:round/>
+            <a:headEnd len="sm" w="sm" type="none"/>
+            <a:tailEnd len="sm" w="sm" type="none"/>
+          </a:ln>
+        </p:spPr>
+      </p:sp>
+    </p:spTree>
+  </p:cSld>
+  <p:clrMapOvr>
+    <a:masterClrMapping/>
+  </p:clrMapOvr>
+</p:notes>
+</file>
+
+<file path=ppt/notesSlides/notesSlide7.xml><?xml version="1.0" encoding="utf-8"?>
+<p:notes xmlns:a="http://schemas.openxmlformats.org/drawingml/2006/main" xmlns:r="http://schemas.openxmlformats.org/officeDocument/2006/relationships" xmlns:mc="http://schemas.openxmlformats.org/markup-compatibility/2006" xmlns:mv="urn:schemas-microsoft-com:mac:vml" xmlns:p="http://schemas.openxmlformats.org/presentationml/2006/main" xmlns:c="http://schemas.openxmlformats.org/drawingml/2006/chart" xmlns:dgm="http://schemas.openxmlformats.org/drawingml/2006/diagram" xmlns:o="urn:schemas-microsoft-com:office:office" xmlns:v="urn:schemas-microsoft-com:vml" xmlns:pvml="urn:schemas-microsoft-com:office:powerpoint" xmlns:com="http://schemas.openxmlformats.org/drawingml/2006/compatibility" xmlns:p14="http://schemas.microsoft.com/office/powerpoint/2010/main" xmlns:p15="http://schemas.microsoft.com/office/powerpoint/2012/main" xmlns:ahyp="http://schemas.microsoft.com/office/drawing/2018/hyperlinkcolor" showMasterPhAnim="0" showMasterSp="0">
+  <p:cSld>
+    <p:spTree>
+      <p:nvGrpSpPr>
+        <p:cNvPr id="100393" name="Shape 100393"/>
+        <p:cNvGrpSpPr/>
+        <p:nvPr/>
+      </p:nvGrpSpPr>
+      <p:grpSpPr>
+        <a:xfrm>
+          <a:off x="0" y="0"/>
+          <a:ext cx="0" cy="0"/>
+          <a:chOff x="0" y="0"/>
+          <a:chExt cx="0" cy="0"/>
+        </a:xfrm>
+      </p:grpSpPr>
+      <p:sp>
+        <p:nvSpPr>
+          <p:cNvPr id="100394" name="Google Shape;100394;g3ff5879ffb4b437c_0:notes"/>
+          <p:cNvSpPr txBox="1"/>
+          <p:nvPr>
+            <p:ph idx="1" type="body"/>
+          </p:nvPr>
+        </p:nvSpPr>
+        <p:spPr>
+          <a:xfrm>
+            <a:off x="685800" y="4343400"/>
+            <a:ext cx="5486400" cy="4114800"/>
+          </a:xfrm>
+          <a:prstGeom prst="rect">
+            <a:avLst/>
+          </a:prstGeom>
+          <a:noFill/>
+          <a:ln>
+            <a:noFill/>
+          </a:ln>
+        </p:spPr>
+        <p:txBody>
+          <a:bodyPr anchorCtr="0" anchor="t" bIns="45700" lIns="91425" spcFirstLastPara="1" rIns="91425" wrap="square" tIns="45700">
+            <a:noAutofit/>
+          </a:bodyPr>
+          <a:lstStyle/>
+          <a:p>
+            <a:pPr indent="0" lvl="0" marL="0" rtl="0" algn="l">
+              <a:spcBef>
+                <a:spcPts val="0"/>
+              </a:spcBef>
+              <a:spcAft>
+                <a:spcPts val="0"/>
+              </a:spcAft>
+              <a:buNone/>
+            </a:pPr>
+            <a:r>
+              <a:t/>
+            </a:r>
+            <a:endParaRPr/>
+          </a:p>
+        </p:txBody>
+      </p:sp>
+      <p:sp>
+        <p:nvSpPr>
+          <p:cNvPr id="100395" name="Google Shape;100395;g3ff5879ffb4b437c_0:notes"/>
+          <p:cNvSpPr/>
+          <p:nvPr>
+            <p:ph idx="2" type="sldImg"/>
+          </p:nvPr>
+        </p:nvSpPr>
+        <p:spPr>
+          <a:xfrm>
+            <a:off x="1143225" y="685800"/>
+            <a:ext cx="4572300" cy="3429000"/>
+          </a:xfrm>
+          <a:custGeom>
+            <a:rect b="b" l="l" r="r" t="t"/>
+            <a:pathLst>
+              <a:path extrusionOk="0" h="120000" w="120000">
+                <a:moveTo>
+                  <a:pt x="0" y="0"/>
+                </a:moveTo>
+                <a:lnTo>
+                  <a:pt x="120000" y="0"/>
+                </a:lnTo>
+                <a:lnTo>
+                  <a:pt x="120000" y="120000"/>
+                </a:lnTo>
+                <a:lnTo>
+                  <a:pt x="0" y="120000"/>
+                </a:lnTo>
+                <a:close/>
+              </a:path>
+            </a:pathLst>
+          </a:custGeom>
+          <a:noFill/>
+          <a:ln cap="flat" cmpd="sng" w="12700">
+            <a:solidFill>
+              <a:srgbClr val="000000"/>
+            </a:solidFill>
+            <a:prstDash val="solid"/>
+            <a:round/>
+            <a:headEnd len="sm" w="sm" type="none"/>
+            <a:tailEnd len="sm" w="sm" type="none"/>
+          </a:ln>
+        </p:spPr>
+      </p:sp>
+    </p:spTree>
+  </p:cSld>
+  <p:clrMapOvr>
+    <a:masterClrMapping/>
+  </p:clrMapOvr>
+</p:notes>
+</file>
+
+<file path=ppt/notesSlides/notesSlide8.xml><?xml version="1.0" encoding="utf-8"?>
+<p:notes xmlns:a="http://schemas.openxmlformats.org/drawingml/2006/main" xmlns:r="http://schemas.openxmlformats.org/officeDocument/2006/relationships" xmlns:mc="http://schemas.openxmlformats.org/markup-compatibility/2006" xmlns:mv="urn:schemas-microsoft-com:mac:vml" xmlns:p="http://schemas.openxmlformats.org/presentationml/2006/main" xmlns:c="http://schemas.openxmlformats.org/drawingml/2006/chart" xmlns:dgm="http://schemas.openxmlformats.org/drawingml/2006/diagram" xmlns:o="urn:schemas-microsoft-com:office:office" xmlns:v="urn:schemas-microsoft-com:vml" xmlns:pvml="urn:schemas-microsoft-com:office:powerpoint" xmlns:com="http://schemas.openxmlformats.org/drawingml/2006/compatibility" xmlns:p14="http://schemas.microsoft.com/office/powerpoint/2010/main" xmlns:p15="http://schemas.microsoft.com/office/powerpoint/2012/main" xmlns:ahyp="http://schemas.microsoft.com/office/drawing/2018/hyperlinkcolor" showMasterPhAnim="0" showMasterSp="0">
+  <p:cSld>
+    <p:spTree>
+      <p:nvGrpSpPr>
+        <p:cNvPr id="100400" name="Shape 100400"/>
+        <p:cNvGrpSpPr/>
+        <p:nvPr/>
+      </p:nvGrpSpPr>
+      <p:grpSpPr>
+        <a:xfrm>
+          <a:off x="0" y="0"/>
+          <a:ext cx="0" cy="0"/>
+          <a:chOff x="0" y="0"/>
+          <a:chExt cx="0" cy="0"/>
+        </a:xfrm>
+      </p:grpSpPr>
+      <p:sp>
+        <p:nvSpPr>
+          <p:cNvPr id="100401" name="Google Shape;100401;g7775be952fac0dc9_0:notes"/>
+          <p:cNvSpPr txBox="1"/>
+          <p:nvPr>
+            <p:ph idx="1" type="body"/>
+          </p:nvPr>
+        </p:nvSpPr>
+        <p:spPr>
+          <a:xfrm>
+            <a:off x="685800" y="4343400"/>
+            <a:ext cx="5486400" cy="4114800"/>
+          </a:xfrm>
+          <a:prstGeom prst="rect">
+            <a:avLst/>
+          </a:prstGeom>
+          <a:noFill/>
+          <a:ln>
+            <a:noFill/>
+          </a:ln>
+        </p:spPr>
+        <p:txBody>
+          <a:bodyPr anchorCtr="0" anchor="t" bIns="45700" lIns="91425" spcFirstLastPara="1" rIns="91425" wrap="square" tIns="45700">
+            <a:noAutofit/>
+          </a:bodyPr>
+          <a:lstStyle/>
+          <a:p>
+            <a:pPr indent="0" lvl="0" marL="0" rtl="0" algn="l">
+              <a:spcBef>
+                <a:spcPts val="0"/>
+              </a:spcBef>
+              <a:spcAft>
+                <a:spcPts val="0"/>
+              </a:spcAft>
+              <a:buNone/>
+            </a:pPr>
+            <a:r>
+              <a:t/>
+            </a:r>
+            <a:endParaRPr/>
+          </a:p>
+        </p:txBody>
+      </p:sp>
+      <p:sp>
+        <p:nvSpPr>
+          <p:cNvPr id="100402" name="Google Shape;100402;g7775be952fac0dc9_0:notes"/>
+          <p:cNvSpPr/>
+          <p:nvPr>
+            <p:ph idx="2" type="sldImg"/>
+          </p:nvPr>
+        </p:nvSpPr>
+        <p:spPr>
+          <a:xfrm>
+            <a:off x="1143225" y="685800"/>
+            <a:ext cx="4572300" cy="3429000"/>
+          </a:xfrm>
+          <a:custGeom>
+            <a:rect b="b" l="l" r="r" t="t"/>
+            <a:pathLst>
+              <a:path extrusionOk="0" h="120000" w="120000">
+                <a:moveTo>
+                  <a:pt x="0" y="0"/>
+                </a:moveTo>
+                <a:lnTo>
+                  <a:pt x="120000" y="0"/>
+                </a:lnTo>
+                <a:lnTo>
+                  <a:pt x="120000" y="120000"/>
+                </a:lnTo>
+                <a:lnTo>
+                  <a:pt x="0" y="120000"/>
+                </a:lnTo>
+                <a:close/>
+              </a:path>
+            </a:pathLst>
+          </a:custGeom>
+          <a:noFill/>
+          <a:ln cap="flat" cmpd="sng" w="12700">
+            <a:solidFill>
+              <a:srgbClr val="000000"/>
+            </a:solidFill>
+            <a:prstDash val="solid"/>
+            <a:round/>
+            <a:headEnd len="sm" w="sm" type="none"/>
+            <a:tailEnd len="sm" w="sm" type="none"/>
+          </a:ln>
+        </p:spPr>
+      </p:sp>
+    </p:spTree>
+  </p:cSld>
+  <p:clrMapOvr>
+    <a:masterClrMapping/>
+  </p:clrMapOvr>
+</p:notes>
+</file>
+
+<file path=ppt/notesSlides/notesSlide9.xml><?xml version="1.0" encoding="utf-8"?>
+<p:notes xmlns:a="http://schemas.openxmlformats.org/drawingml/2006/main" xmlns:r="http://schemas.openxmlformats.org/officeDocument/2006/relationships" xmlns:mc="http://schemas.openxmlformats.org/markup-compatibility/2006" xmlns:mv="urn:schemas-microsoft-com:mac:vml" xmlns:p="http://schemas.openxmlformats.org/presentationml/2006/main" xmlns:c="http://schemas.openxmlformats.org/drawingml/2006/chart" xmlns:dgm="http://schemas.openxmlformats.org/drawingml/2006/diagram" xmlns:o="urn:schemas-microsoft-com:office:office" xmlns:v="urn:schemas-microsoft-com:vml" xmlns:pvml="urn:schemas-microsoft-com:office:powerpoint" xmlns:com="http://schemas.openxmlformats.org/drawingml/2006/compatibility" xmlns:p14="http://schemas.microsoft.com/office/powerpoint/2010/main" xmlns:p15="http://schemas.microsoft.com/office/powerpoint/2012/main" xmlns:ahyp="http://schemas.microsoft.com/office/drawing/2018/hyperlinkcolor" showMasterPhAnim="0" showMasterSp="0">
+  <p:cSld>
+    <p:spTree>
+      <p:nvGrpSpPr>
+        <p:cNvPr id="100407" name="Shape 100407"/>
+        <p:cNvGrpSpPr/>
+        <p:nvPr/>
+      </p:nvGrpSpPr>
+      <p:grpSpPr>
+        <a:xfrm>
+          <a:off x="0" y="0"/>
+          <a:ext cx="0" cy="0"/>
+          <a:chOff x="0" y="0"/>
+          <a:chExt cx="0" cy="0"/>
+        </a:xfrm>
+      </p:grpSpPr>
+      <p:sp>
+        <p:nvSpPr>
+          <p:cNvPr id="100408" name="Google Shape;100408;g7775be952fac0dc9_6:notes"/>
+          <p:cNvSpPr txBox="1"/>
+          <p:nvPr>
+            <p:ph idx="1" type="body"/>
+          </p:nvPr>
+        </p:nvSpPr>
+        <p:spPr>
+          <a:xfrm>
+            <a:off x="685800" y="4343400"/>
+            <a:ext cx="5486400" cy="4114800"/>
+          </a:xfrm>
+          <a:prstGeom prst="rect">
+            <a:avLst/>
+          </a:prstGeom>
+          <a:noFill/>
+          <a:ln>
+            <a:noFill/>
+          </a:ln>
+        </p:spPr>
+        <p:txBody>
+          <a:bodyPr anchorCtr="0" anchor="t" bIns="45700" lIns="91425" spcFirstLastPara="1" rIns="91425" wrap="square" tIns="45700">
+            <a:noAutofit/>
+          </a:bodyPr>
+          <a:lstStyle/>
+          <a:p>
+            <a:pPr indent="0" lvl="0" marL="0" rtl="0" algn="l">
+              <a:spcBef>
+                <a:spcPts val="0"/>
+              </a:spcBef>
+              <a:spcAft>
+                <a:spcPts val="0"/>
+              </a:spcAft>
+              <a:buNone/>
+            </a:pPr>
+            <a:r>
+              <a:t/>
+            </a:r>
+            <a:endParaRPr/>
+          </a:p>
+        </p:txBody>
+      </p:sp>
+      <p:sp>
+        <p:nvSpPr>
+          <p:cNvPr id="100409" name="Google Shape;100409;g7775be952fac0dc9_6:notes"/>
+          <p:cNvSpPr/>
+          <p:nvPr>
+            <p:ph idx="2" type="sldImg"/>
+          </p:nvPr>
+        </p:nvSpPr>
+        <p:spPr>
+          <a:xfrm>
+            <a:off x="1143225" y="685800"/>
+            <a:ext cx="4572300" cy="3429000"/>
+          </a:xfrm>
+          <a:custGeom>
+            <a:rect b="b" l="l" r="r" t="t"/>
+            <a:pathLst>
+              <a:path extrusionOk="0" h="120000" w="120000">
+                <a:moveTo>
+                  <a:pt x="0" y="0"/>
+                </a:moveTo>
+                <a:lnTo>
+                  <a:pt x="120000" y="0"/>
+                </a:lnTo>
+                <a:lnTo>
+                  <a:pt x="120000" y="120000"/>
+                </a:lnTo>
+                <a:lnTo>
+                  <a:pt x="0" y="120000"/>
+                </a:lnTo>
+                <a:close/>
+              </a:path>
+            </a:pathLst>
+          </a:custGeom>
+          <a:noFill/>
+          <a:ln cap="flat" cmpd="sng" w="12700">
+            <a:solidFill>
+              <a:srgbClr val="000000"/>
+            </a:solidFill>
+            <a:prstDash val="solid"/>
+            <a:round/>
+            <a:headEnd len="sm" w="sm" type="none"/>
+            <a:tailEnd len="sm" w="sm" type="none"/>
+          </a:ln>
+        </p:spPr>
+      </p:sp>
+    </p:spTree>
   </p:cSld>
   <p:clrMapOvr>
     <a:masterClrMapping/>
@@ -6207,6 +7345,1905 @@
 </p:sld>
 </file>
 
+<file path=ppt/slides/slide10.xml><?xml version="1.0" encoding="utf-8"?>
+<p:sld xmlns:a="http://schemas.openxmlformats.org/drawingml/2006/main" xmlns:r="http://schemas.openxmlformats.org/officeDocument/2006/relationships" xmlns:mc="http://schemas.openxmlformats.org/markup-compatibility/2006" xmlns:mv="urn:schemas-microsoft-com:mac:vml" xmlns:p="http://schemas.openxmlformats.org/presentationml/2006/main" xmlns:c="http://schemas.openxmlformats.org/drawingml/2006/chart" xmlns:dgm="http://schemas.openxmlformats.org/drawingml/2006/diagram" xmlns:o="urn:schemas-microsoft-com:office:office" xmlns:v="urn:schemas-microsoft-com:vml" xmlns:pvml="urn:schemas-microsoft-com:office:powerpoint" xmlns:com="http://schemas.openxmlformats.org/drawingml/2006/compatibility" xmlns:p14="http://schemas.microsoft.com/office/powerpoint/2010/main" xmlns:p15="http://schemas.microsoft.com/office/powerpoint/2012/main" xmlns:ahyp="http://schemas.microsoft.com/office/drawing/2018/hyperlinkcolor">
+  <p:cSld>
+    <p:spTree>
+      <p:nvGrpSpPr>
+        <p:cNvPr id="100368" name="Shape 100368"/>
+        <p:cNvGrpSpPr/>
+        <p:nvPr/>
+      </p:nvGrpSpPr>
+      <p:grpSpPr>
+        <a:xfrm>
+          <a:off x="0" y="0"/>
+          <a:ext cx="0" cy="0"/>
+          <a:chOff x="0" y="0"/>
+          <a:chExt cx="0" cy="0"/>
+        </a:xfrm>
+      </p:grpSpPr>
+      <p:sp>
+        <p:nvSpPr>
+          <p:cNvPr id="100369" name="Google Shape;100369;p1"/>
+          <p:cNvSpPr txBox="1"/>
+          <p:nvPr>
+            <p:ph idx="1" type="body"/>
+          </p:nvPr>
+        </p:nvSpPr>
+        <p:spPr>
+          <a:xfrm>
+            <a:off x="4094356" y="5632455"/>
+            <a:ext cx="4003200" cy="422700"/>
+          </a:xfrm>
+          <a:prstGeom prst="rect">
+            <a:avLst/>
+          </a:prstGeom>
+          <a:noFill/>
+          <a:ln>
+            <a:noFill/>
+          </a:ln>
+        </p:spPr>
+        <p:txBody>
+          <a:bodyPr anchorCtr="0" anchor="t" bIns="45700" lIns="91425" spcFirstLastPara="1" rIns="91425" wrap="square" tIns="45700">
+            <a:normAutofit/>
+          </a:bodyPr>
+          <a:lstStyle/>
+          <a:p>
+            <a:pPr indent="0" lvl="0" marL="0" rtl="0" algn="ctr">
+              <a:spcBef>
+                <a:spcPts val="0"/>
+              </a:spcBef>
+              <a:spcAft>
+                <a:spcPts val="0"/>
+              </a:spcAft>
+              <a:buSzPts val="1120"/>
+              <a:buNone/>
+            </a:pPr>
+            <a:r>
+              <a:rPr lang="en-GB" sz="1400"/>
+              <a:t>Fig. Forward Propagation in Neural Network</a:t>
+            </a:r>
+            <a:endParaRPr sz="1400"/>
+          </a:p>
+        </p:txBody>
+      </p:sp>
+      <p:pic>
+        <p:nvPicPr>
+          <p:cNvPr descr="Forward propagation in neural networks — Simplified math and code version |  by vikashraj luhaniwal | Towards Data Science" id="100370" name="Google Shape;100370;p1"/>
+          <p:cNvPicPr preferRelativeResize="0"/>
+          <p:nvPr/>
+        </p:nvPicPr>
+        <p:blipFill rotWithShape="1">
+          <a:blip r:embed="rId3">
+            <a:alphaModFix/>
+          </a:blip>
+          <a:srcRect b="0" l="0" r="0" t="0"/>
+          <a:stretch/>
+        </p:blipFill>
+        <p:spPr>
+          <a:xfrm>
+            <a:off x="3257550" y="1271587"/>
+            <a:ext cx="5676900" cy="4314826"/>
+          </a:xfrm>
+          <a:prstGeom prst="rect">
+            <a:avLst/>
+          </a:prstGeom>
+          <a:noFill/>
+          <a:ln>
+            <a:noFill/>
+          </a:ln>
+        </p:spPr>
+      </p:pic>
+      <p:sp>
+        <p:nvSpPr>
+          <p:cNvPr id="100371" name="Google Shape;100371;p1"/>
+          <p:cNvSpPr txBox="1"/>
+          <p:nvPr>
+            <p:ph type="title"/>
+          </p:nvPr>
+        </p:nvSpPr>
+        <p:spPr>
+          <a:xfrm>
+            <a:off x="646111" y="452718"/>
+            <a:ext cx="9404700" cy="719400"/>
+          </a:xfrm>
+          <a:prstGeom prst="rect">
+            <a:avLst/>
+          </a:prstGeom>
+          <a:noFill/>
+          <a:ln>
+            <a:noFill/>
+          </a:ln>
+        </p:spPr>
+        <p:txBody>
+          <a:bodyPr anchorCtr="0" anchor="t" bIns="45700" lIns="91425" spcFirstLastPara="1" rIns="91425" wrap="square" tIns="45700">
+            <a:noAutofit/>
+          </a:bodyPr>
+          <a:lstStyle/>
+          <a:p>
+            <a:pPr indent="0" lvl="0" marL="0" rtl="0" algn="l">
+              <a:spcBef>
+                <a:spcPts val="0"/>
+              </a:spcBef>
+              <a:spcAft>
+                <a:spcPts val="0"/>
+              </a:spcAft>
+              <a:buClr>
+                <a:schemeClr val="lt2"/>
+              </a:buClr>
+              <a:buSzPts val="4200"/>
+              <a:buFont typeface="Century Gothic"/>
+              <a:buNone/>
+            </a:pPr>
+            <a:r>
+              <a:rPr b="1" lang="en-GB"/>
+              <a:t>FORWARD PROPAGATION</a:t>
+            </a:r>
+            <a:endParaRPr b="1"/>
+          </a:p>
+        </p:txBody>
+      </p:sp>
+    </p:spTree>
+  </p:cSld>
+  <p:clrMapOvr>
+    <a:masterClrMapping/>
+  </p:clrMapOvr>
+</p:sld>
+</file>
+
+<file path=ppt/slides/slide11.xml><?xml version="1.0" encoding="utf-8"?>
+<p:sld xmlns:a="http://schemas.openxmlformats.org/drawingml/2006/main" xmlns:r="http://schemas.openxmlformats.org/officeDocument/2006/relationships" xmlns:mc="http://schemas.openxmlformats.org/markup-compatibility/2006" xmlns:mv="urn:schemas-microsoft-com:mac:vml" xmlns:p="http://schemas.openxmlformats.org/presentationml/2006/main" xmlns:c="http://schemas.openxmlformats.org/drawingml/2006/chart" xmlns:dgm="http://schemas.openxmlformats.org/drawingml/2006/diagram" xmlns:o="urn:schemas-microsoft-com:office:office" xmlns:v="urn:schemas-microsoft-com:vml" xmlns:pvml="urn:schemas-microsoft-com:office:powerpoint" xmlns:com="http://schemas.openxmlformats.org/drawingml/2006/compatibility" xmlns:p14="http://schemas.microsoft.com/office/powerpoint/2010/main" xmlns:p15="http://schemas.microsoft.com/office/powerpoint/2012/main" xmlns:ahyp="http://schemas.microsoft.com/office/drawing/2018/hyperlinkcolor">
+  <p:cSld>
+    <p:spTree>
+      <p:nvGrpSpPr>
+        <p:cNvPr id="100375" name="Shape 100375"/>
+        <p:cNvGrpSpPr/>
+        <p:nvPr/>
+      </p:nvGrpSpPr>
+      <p:grpSpPr>
+        <a:xfrm>
+          <a:off x="0" y="0"/>
+          <a:ext cx="0" cy="0"/>
+          <a:chOff x="0" y="0"/>
+          <a:chExt cx="0" cy="0"/>
+        </a:xfrm>
+      </p:grpSpPr>
+      <p:sp>
+        <p:nvSpPr>
+          <p:cNvPr id="100376" name="Google Shape;100376;p2"/>
+          <p:cNvSpPr txBox="1"/>
+          <p:nvPr>
+            <p:ph idx="1" type="body"/>
+          </p:nvPr>
+        </p:nvSpPr>
+        <p:spPr>
+          <a:xfrm>
+            <a:off x="3976939" y="5286773"/>
+            <a:ext cx="4238100" cy="433800"/>
+          </a:xfrm>
+          <a:prstGeom prst="rect">
+            <a:avLst/>
+          </a:prstGeom>
+          <a:noFill/>
+          <a:ln>
+            <a:noFill/>
+          </a:ln>
+        </p:spPr>
+        <p:txBody>
+          <a:bodyPr anchorCtr="0" anchor="t" bIns="45700" lIns="91425" spcFirstLastPara="1" rIns="91425" wrap="square" tIns="45700">
+            <a:normAutofit/>
+          </a:bodyPr>
+          <a:lstStyle/>
+          <a:p>
+            <a:pPr indent="0" lvl="0" marL="0" rtl="0" algn="ctr">
+              <a:spcBef>
+                <a:spcPts val="0"/>
+              </a:spcBef>
+              <a:spcAft>
+                <a:spcPts val="0"/>
+              </a:spcAft>
+              <a:buSzPts val="1120"/>
+              <a:buNone/>
+            </a:pPr>
+            <a:r>
+              <a:rPr lang="en-GB" sz="1400"/>
+              <a:t>Fig. Backward Propagation in Neural Network</a:t>
+            </a:r>
+            <a:endParaRPr sz="1400"/>
+          </a:p>
+        </p:txBody>
+      </p:sp>
+      <p:pic>
+        <p:nvPicPr>
+          <p:cNvPr descr="Back Propagation Neural Network: What is Backpropagation Algorithm in  Machine Learning?" id="100377" name="Google Shape;100377;p2"/>
+          <p:cNvPicPr preferRelativeResize="0"/>
+          <p:nvPr/>
+        </p:nvPicPr>
+        <p:blipFill rotWithShape="1">
+          <a:blip r:embed="rId3">
+            <a:alphaModFix/>
+          </a:blip>
+          <a:srcRect b="0" l="0" r="0" t="0"/>
+          <a:stretch/>
+        </p:blipFill>
+        <p:spPr>
+          <a:xfrm>
+            <a:off x="2653692" y="1635725"/>
+            <a:ext cx="6884616" cy="3586551"/>
+          </a:xfrm>
+          <a:prstGeom prst="rect">
+            <a:avLst/>
+          </a:prstGeom>
+          <a:noFill/>
+          <a:ln>
+            <a:noFill/>
+          </a:ln>
+        </p:spPr>
+      </p:pic>
+      <p:sp>
+        <p:nvSpPr>
+          <p:cNvPr id="100378" name="Google Shape;100378;p2"/>
+          <p:cNvSpPr txBox="1"/>
+          <p:nvPr>
+            <p:ph type="title"/>
+          </p:nvPr>
+        </p:nvSpPr>
+        <p:spPr>
+          <a:xfrm>
+            <a:off x="646111" y="452718"/>
+            <a:ext cx="9404700" cy="719400"/>
+          </a:xfrm>
+          <a:prstGeom prst="rect">
+            <a:avLst/>
+          </a:prstGeom>
+          <a:noFill/>
+          <a:ln>
+            <a:noFill/>
+          </a:ln>
+        </p:spPr>
+        <p:txBody>
+          <a:bodyPr anchorCtr="0" anchor="t" bIns="45700" lIns="91425" spcFirstLastPara="1" rIns="91425" wrap="square" tIns="45700">
+            <a:noAutofit/>
+          </a:bodyPr>
+          <a:lstStyle/>
+          <a:p>
+            <a:pPr indent="0" lvl="0" marL="0" rtl="0" algn="l">
+              <a:spcBef>
+                <a:spcPts val="0"/>
+              </a:spcBef>
+              <a:spcAft>
+                <a:spcPts val="0"/>
+              </a:spcAft>
+              <a:buClr>
+                <a:schemeClr val="lt2"/>
+              </a:buClr>
+              <a:buSzPts val="4200"/>
+              <a:buFont typeface="Century Gothic"/>
+              <a:buNone/>
+            </a:pPr>
+            <a:r>
+              <a:rPr b="1" lang="en-GB"/>
+              <a:t>BACKWARD PROPAGATION</a:t>
+            </a:r>
+            <a:endParaRPr b="1"/>
+          </a:p>
+        </p:txBody>
+      </p:sp>
+    </p:spTree>
+  </p:cSld>
+  <p:clrMapOvr>
+    <a:masterClrMapping/>
+  </p:clrMapOvr>
+</p:sld>
+</file>
+
+<file path=ppt/slides/slide12.xml><?xml version="1.0" encoding="utf-8"?>
+<p:sld xmlns:a="http://schemas.openxmlformats.org/drawingml/2006/main" xmlns:r="http://schemas.openxmlformats.org/officeDocument/2006/relationships" xmlns:mc="http://schemas.openxmlformats.org/markup-compatibility/2006" xmlns:mv="urn:schemas-microsoft-com:mac:vml" xmlns:p="http://schemas.openxmlformats.org/presentationml/2006/main" xmlns:c="http://schemas.openxmlformats.org/drawingml/2006/chart" xmlns:dgm="http://schemas.openxmlformats.org/drawingml/2006/diagram" xmlns:o="urn:schemas-microsoft-com:office:office" xmlns:v="urn:schemas-microsoft-com:vml" xmlns:pvml="urn:schemas-microsoft-com:office:powerpoint" xmlns:com="http://schemas.openxmlformats.org/drawingml/2006/compatibility" xmlns:p14="http://schemas.microsoft.com/office/powerpoint/2010/main" xmlns:p15="http://schemas.microsoft.com/office/powerpoint/2012/main" xmlns:ahyp="http://schemas.microsoft.com/office/drawing/2018/hyperlinkcolor">
+  <p:cSld>
+    <p:spTree>
+      <p:nvGrpSpPr>
+        <p:cNvPr id="100382" name="Shape 100382"/>
+        <p:cNvGrpSpPr/>
+        <p:nvPr/>
+      </p:nvGrpSpPr>
+      <p:grpSpPr>
+        <a:xfrm>
+          <a:off x="0" y="0"/>
+          <a:ext cx="0" cy="0"/>
+          <a:chOff x="0" y="0"/>
+          <a:chExt cx="0" cy="0"/>
+        </a:xfrm>
+      </p:grpSpPr>
+      <p:pic>
+        <p:nvPicPr>
+          <p:cNvPr descr="Loss Functions in Machine Learning | Working | Different Types" id="100383" name="Google Shape;100383;p3"/>
+          <p:cNvPicPr preferRelativeResize="0"/>
+          <p:nvPr/>
+        </p:nvPicPr>
+        <p:blipFill rotWithShape="1">
+          <a:blip r:embed="rId3">
+            <a:alphaModFix/>
+          </a:blip>
+          <a:srcRect b="0" l="0" r="0" t="0"/>
+          <a:stretch/>
+        </p:blipFill>
+        <p:spPr>
+          <a:xfrm>
+            <a:off x="2900919" y="1686558"/>
+            <a:ext cx="6390163" cy="3484883"/>
+          </a:xfrm>
+          <a:prstGeom prst="rect">
+            <a:avLst/>
+          </a:prstGeom>
+          <a:noFill/>
+          <a:ln>
+            <a:noFill/>
+          </a:ln>
+        </p:spPr>
+      </p:pic>
+      <p:sp>
+        <p:nvSpPr>
+          <p:cNvPr id="100384" name="Google Shape;100384;p3"/>
+          <p:cNvSpPr txBox="1"/>
+          <p:nvPr>
+            <p:ph type="title"/>
+          </p:nvPr>
+        </p:nvSpPr>
+        <p:spPr>
+          <a:xfrm>
+            <a:off x="646111" y="452718"/>
+            <a:ext cx="9404700" cy="719400"/>
+          </a:xfrm>
+          <a:prstGeom prst="rect">
+            <a:avLst/>
+          </a:prstGeom>
+          <a:noFill/>
+          <a:ln>
+            <a:noFill/>
+          </a:ln>
+        </p:spPr>
+        <p:txBody>
+          <a:bodyPr anchorCtr="0" anchor="t" bIns="45700" lIns="91425" spcFirstLastPara="1" rIns="91425" wrap="square" tIns="45700">
+            <a:noAutofit/>
+          </a:bodyPr>
+          <a:lstStyle/>
+          <a:p>
+            <a:pPr indent="0" lvl="0" marL="0" rtl="0" algn="l">
+              <a:spcBef>
+                <a:spcPts val="0"/>
+              </a:spcBef>
+              <a:spcAft>
+                <a:spcPts val="0"/>
+              </a:spcAft>
+              <a:buClr>
+                <a:schemeClr val="lt2"/>
+              </a:buClr>
+              <a:buSzPts val="4200"/>
+              <a:buFont typeface="Century Gothic"/>
+              <a:buNone/>
+            </a:pPr>
+            <a:r>
+              <a:rPr b="1" lang="en-GB"/>
+              <a:t>LOSS FUNCTION</a:t>
+            </a:r>
+            <a:endParaRPr b="1"/>
+          </a:p>
+        </p:txBody>
+      </p:sp>
+    </p:spTree>
+  </p:cSld>
+  <p:clrMapOvr>
+    <a:masterClrMapping/>
+  </p:clrMapOvr>
+</p:sld>
+</file>
+
+<file path=ppt/slides/slide13.xml><?xml version="1.0" encoding="utf-8"?>
+<p:sld xmlns:a="http://schemas.openxmlformats.org/drawingml/2006/main" xmlns:r="http://schemas.openxmlformats.org/officeDocument/2006/relationships" xmlns:mc="http://schemas.openxmlformats.org/markup-compatibility/2006" xmlns:mv="urn:schemas-microsoft-com:mac:vml" xmlns:p="http://schemas.openxmlformats.org/presentationml/2006/main" xmlns:c="http://schemas.openxmlformats.org/drawingml/2006/chart" xmlns:dgm="http://schemas.openxmlformats.org/drawingml/2006/diagram" xmlns:o="urn:schemas-microsoft-com:office:office" xmlns:v="urn:schemas-microsoft-com:vml" xmlns:pvml="urn:schemas-microsoft-com:office:powerpoint" xmlns:com="http://schemas.openxmlformats.org/drawingml/2006/compatibility" xmlns:p14="http://schemas.microsoft.com/office/powerpoint/2010/main" xmlns:p15="http://schemas.microsoft.com/office/powerpoint/2012/main" xmlns:ahyp="http://schemas.microsoft.com/office/drawing/2018/hyperlinkcolor">
+  <p:cSld>
+    <p:spTree>
+      <p:nvGrpSpPr>
+        <p:cNvPr id="100388" name="Shape 100388"/>
+        <p:cNvGrpSpPr/>
+        <p:nvPr/>
+      </p:nvGrpSpPr>
+      <p:grpSpPr>
+        <a:xfrm>
+          <a:off x="0" y="0"/>
+          <a:ext cx="0" cy="0"/>
+          <a:chOff x="0" y="0"/>
+          <a:chExt cx="0" cy="0"/>
+        </a:xfrm>
+      </p:grpSpPr>
+      <p:sp>
+        <p:nvSpPr>
+          <p:cNvPr id="100389" name="Google Shape;100389;p4"/>
+          <p:cNvSpPr txBox="1"/>
+          <p:nvPr>
+            <p:ph idx="1" type="body"/>
+          </p:nvPr>
+        </p:nvSpPr>
+        <p:spPr>
+          <a:xfrm>
+            <a:off x="4296285" y="5312228"/>
+            <a:ext cx="3599400" cy="537000"/>
+          </a:xfrm>
+          <a:prstGeom prst="rect">
+            <a:avLst/>
+          </a:prstGeom>
+          <a:noFill/>
+          <a:ln>
+            <a:noFill/>
+          </a:ln>
+        </p:spPr>
+        <p:txBody>
+          <a:bodyPr anchorCtr="0" anchor="t" bIns="45700" lIns="91425" spcFirstLastPara="1" rIns="91425" wrap="square" tIns="45700">
+            <a:normAutofit/>
+          </a:bodyPr>
+          <a:lstStyle/>
+          <a:p>
+            <a:pPr indent="0" lvl="0" marL="0" rtl="0" algn="l">
+              <a:spcBef>
+                <a:spcPts val="0"/>
+              </a:spcBef>
+              <a:spcAft>
+                <a:spcPts val="0"/>
+              </a:spcAft>
+              <a:buSzPts val="1120"/>
+              <a:buNone/>
+            </a:pPr>
+            <a:r>
+              <a:rPr lang="en-GB" sz="1400"/>
+              <a:t>Fig. Accuracy and Training time of DNN</a:t>
+            </a:r>
+            <a:endParaRPr sz="1400"/>
+          </a:p>
+        </p:txBody>
+      </p:sp>
+      <p:pic>
+        <p:nvPicPr>
+          <p:cNvPr descr="Accuracy and training time of DNN | Download Scientific Diagram" id="100390" name="Google Shape;100390;p4"/>
+          <p:cNvPicPr preferRelativeResize="0"/>
+          <p:nvPr/>
+        </p:nvPicPr>
+        <p:blipFill rotWithShape="1">
+          <a:blip r:embed="rId3">
+            <a:alphaModFix/>
+          </a:blip>
+          <a:srcRect b="0" l="0" r="0" t="0"/>
+          <a:stretch/>
+        </p:blipFill>
+        <p:spPr>
+          <a:xfrm>
+            <a:off x="2632302" y="1721600"/>
+            <a:ext cx="6927396" cy="3414800"/>
+          </a:xfrm>
+          <a:prstGeom prst="rect">
+            <a:avLst/>
+          </a:prstGeom>
+          <a:noFill/>
+          <a:ln>
+            <a:noFill/>
+          </a:ln>
+        </p:spPr>
+      </p:pic>
+      <p:sp>
+        <p:nvSpPr>
+          <p:cNvPr id="100391" name="Google Shape;100391;p4"/>
+          <p:cNvSpPr txBox="1"/>
+          <p:nvPr>
+            <p:ph type="title"/>
+          </p:nvPr>
+        </p:nvSpPr>
+        <p:spPr>
+          <a:xfrm>
+            <a:off x="646111" y="452718"/>
+            <a:ext cx="9404700" cy="719400"/>
+          </a:xfrm>
+          <a:prstGeom prst="rect">
+            <a:avLst/>
+          </a:prstGeom>
+          <a:noFill/>
+          <a:ln>
+            <a:noFill/>
+          </a:ln>
+        </p:spPr>
+        <p:txBody>
+          <a:bodyPr anchorCtr="0" anchor="t" bIns="45700" lIns="91425" spcFirstLastPara="1" rIns="91425" wrap="square" tIns="45700">
+            <a:noAutofit/>
+          </a:bodyPr>
+          <a:lstStyle/>
+          <a:p>
+            <a:pPr indent="0" lvl="0" marL="0" rtl="0" algn="l">
+              <a:spcBef>
+                <a:spcPts val="0"/>
+              </a:spcBef>
+              <a:spcAft>
+                <a:spcPts val="0"/>
+              </a:spcAft>
+              <a:buClr>
+                <a:schemeClr val="lt2"/>
+              </a:buClr>
+              <a:buSzPts val="4200"/>
+              <a:buFont typeface="Century Gothic"/>
+              <a:buNone/>
+            </a:pPr>
+            <a:r>
+              <a:rPr b="1" lang="en-GB"/>
+              <a:t>ACCURACY</a:t>
+            </a:r>
+            <a:endParaRPr b="1"/>
+          </a:p>
+        </p:txBody>
+      </p:sp>
+    </p:spTree>
+  </p:cSld>
+  <p:clrMapOvr>
+    <a:masterClrMapping/>
+  </p:clrMapOvr>
+</p:sld>
+</file>
+
+<file path=ppt/slides/slide14.xml><?xml version="1.0" encoding="utf-8"?>
+<p:sld xmlns:a="http://schemas.openxmlformats.org/drawingml/2006/main" xmlns:r="http://schemas.openxmlformats.org/officeDocument/2006/relationships" xmlns:mc="http://schemas.openxmlformats.org/markup-compatibility/2006" xmlns:mv="urn:schemas-microsoft-com:mac:vml" xmlns:p="http://schemas.openxmlformats.org/presentationml/2006/main" xmlns:c="http://schemas.openxmlformats.org/drawingml/2006/chart" xmlns:dgm="http://schemas.openxmlformats.org/drawingml/2006/diagram" xmlns:o="urn:schemas-microsoft-com:office:office" xmlns:v="urn:schemas-microsoft-com:vml" xmlns:pvml="urn:schemas-microsoft-com:office:powerpoint" xmlns:com="http://schemas.openxmlformats.org/drawingml/2006/compatibility" xmlns:p14="http://schemas.microsoft.com/office/powerpoint/2010/main" xmlns:p15="http://schemas.microsoft.com/office/powerpoint/2012/main" xmlns:ahyp="http://schemas.microsoft.com/office/drawing/2018/hyperlinkcolor">
+  <p:cSld>
+    <p:spTree>
+      <p:nvGrpSpPr>
+        <p:cNvPr id="100396" name="Shape 100396"/>
+        <p:cNvGrpSpPr/>
+        <p:nvPr/>
+      </p:nvGrpSpPr>
+      <p:grpSpPr>
+        <a:xfrm>
+          <a:off x="0" y="0"/>
+          <a:ext cx="0" cy="0"/>
+          <a:chOff x="0" y="0"/>
+          <a:chExt cx="0" cy="0"/>
+        </a:xfrm>
+      </p:grpSpPr>
+      <p:sp>
+        <p:nvSpPr>
+          <p:cNvPr id="100397" name="Google Shape;100397;p1"/>
+          <p:cNvSpPr txBox="1"/>
+          <p:nvPr>
+            <p:ph type="title"/>
+          </p:nvPr>
+        </p:nvSpPr>
+        <p:spPr>
+          <a:xfrm>
+            <a:off x="646111" y="452718"/>
+            <a:ext cx="9404700" cy="719400"/>
+          </a:xfrm>
+          <a:prstGeom prst="rect">
+            <a:avLst/>
+          </a:prstGeom>
+          <a:noFill/>
+          <a:ln>
+            <a:noFill/>
+          </a:ln>
+        </p:spPr>
+        <p:txBody>
+          <a:bodyPr anchorCtr="0" anchor="t" bIns="45700" lIns="91425" spcFirstLastPara="1" rIns="91425" wrap="square" tIns="45700">
+            <a:noAutofit/>
+          </a:bodyPr>
+          <a:lstStyle/>
+          <a:p>
+            <a:pPr indent="0" lvl="0" marL="0" rtl="0" algn="l">
+              <a:spcBef>
+                <a:spcPts val="0"/>
+              </a:spcBef>
+              <a:spcAft>
+                <a:spcPts val="0"/>
+              </a:spcAft>
+              <a:buClr>
+                <a:schemeClr val="lt2"/>
+              </a:buClr>
+              <a:buSzPts val="4200"/>
+              <a:buFont typeface="Century Gothic"/>
+              <a:buNone/>
+            </a:pPr>
+            <a:r>
+              <a:rPr b="1" lang="en-GB"/>
+              <a:t>METRICS</a:t>
+            </a:r>
+            <a:endParaRPr b="1"/>
+          </a:p>
+        </p:txBody>
+      </p:sp>
+      <p:sp>
+        <p:nvSpPr>
+          <p:cNvPr id="100398" name="Google Shape;100398;p1"/>
+          <p:cNvSpPr txBox="1"/>
+          <p:nvPr>
+            <p:ph idx="1" type="body"/>
+          </p:nvPr>
+        </p:nvSpPr>
+        <p:spPr>
+          <a:xfrm>
+            <a:off x="646112" y="1506828"/>
+            <a:ext cx="10829100" cy="4741500"/>
+          </a:xfrm>
+          <a:prstGeom prst="rect">
+            <a:avLst/>
+          </a:prstGeom>
+          <a:noFill/>
+          <a:ln>
+            <a:noFill/>
+          </a:ln>
+        </p:spPr>
+        <p:txBody>
+          <a:bodyPr anchorCtr="0" anchor="t" bIns="45700" lIns="91425" spcFirstLastPara="1" rIns="91425" wrap="square" tIns="45700">
+            <a:normAutofit/>
+          </a:bodyPr>
+          <a:lstStyle/>
+          <a:p>
+            <a:pPr indent="-342900" lvl="0" marL="342900" rtl="0" algn="just">
+              <a:spcBef>
+                <a:spcPts val="0"/>
+              </a:spcBef>
+              <a:spcAft>
+                <a:spcPts val="0"/>
+              </a:spcAft>
+              <a:buSzPts val="1280"/>
+              <a:buChar char="•"/>
+            </a:pPr>
+            <a:r>
+              <a:rPr lang="en-GB" sz="1600"/>
+              <a:t>A metric is a function that is used to judge the performance of your model.</a:t>
+            </a:r>
+            <a:endParaRPr/>
+          </a:p>
+          <a:p>
+            <a:pPr indent="-342900" lvl="0" marL="342900" rtl="0" algn="just">
+              <a:spcBef>
+                <a:spcPts val="1000"/>
+              </a:spcBef>
+              <a:spcAft>
+                <a:spcPts val="0"/>
+              </a:spcAft>
+              <a:buSzPts val="1280"/>
+              <a:buChar char="•"/>
+            </a:pPr>
+            <a:r>
+              <a:rPr lang="en-GB" sz="1600"/>
+              <a:t>Metric functions are similar to loss functions, except that the results from evaluating a metric are not used when training the model. Note that you may use any loss function as a metric.</a:t>
+            </a:r>
+            <a:endParaRPr/>
+          </a:p>
+          <a:p>
+            <a:pPr indent="-342900" lvl="0" marL="342900" rtl="0" algn="just">
+              <a:spcBef>
+                <a:spcPts val="1000"/>
+              </a:spcBef>
+              <a:spcAft>
+                <a:spcPts val="0"/>
+              </a:spcAft>
+              <a:buSzPts val="1280"/>
+              <a:buChar char="•"/>
+            </a:pPr>
+            <a:r>
+              <a:rPr lang="en-GB" sz="1600"/>
+              <a:t>Metrics are used to monitor and measure the performance of a model (during training and testing), and don’t need to be differentiable. </a:t>
+            </a:r>
+            <a:endParaRPr sz="1600"/>
+          </a:p>
+          <a:p>
+            <a:pPr indent="-342900" lvl="0" marL="342900" rtl="0" algn="just">
+              <a:spcBef>
+                <a:spcPts val="1000"/>
+              </a:spcBef>
+              <a:spcAft>
+                <a:spcPts val="0"/>
+              </a:spcAft>
+              <a:buSzPts val="1280"/>
+              <a:buChar char="•"/>
+            </a:pPr>
+            <a:r>
+              <a:rPr lang="en-GB" sz="1600"/>
+              <a:t>However, if for some tasks the performance metric is differentiable, it can also be used as a loss function (perhaps with some regularizations added to it), such as MSE.</a:t>
+            </a:r>
+            <a:endParaRPr/>
+          </a:p>
+        </p:txBody>
+      </p:sp>
+    </p:spTree>
+  </p:cSld>
+  <p:clrMapOvr>
+    <a:masterClrMapping/>
+  </p:clrMapOvr>
+</p:sld>
+</file>
+
+<file path=ppt/slides/slide15.xml><?xml version="1.0" encoding="utf-8"?>
+<p:sld xmlns:a="http://schemas.openxmlformats.org/drawingml/2006/main" xmlns:r="http://schemas.openxmlformats.org/officeDocument/2006/relationships" xmlns:mc="http://schemas.openxmlformats.org/markup-compatibility/2006" xmlns:mv="urn:schemas-microsoft-com:mac:vml" xmlns:p="http://schemas.openxmlformats.org/presentationml/2006/main" xmlns:c="http://schemas.openxmlformats.org/drawingml/2006/chart" xmlns:dgm="http://schemas.openxmlformats.org/drawingml/2006/diagram" xmlns:o="urn:schemas-microsoft-com:office:office" xmlns:v="urn:schemas-microsoft-com:vml" xmlns:pvml="urn:schemas-microsoft-com:office:powerpoint" xmlns:com="http://schemas.openxmlformats.org/drawingml/2006/compatibility" xmlns:p14="http://schemas.microsoft.com/office/powerpoint/2010/main" xmlns:p15="http://schemas.microsoft.com/office/powerpoint/2012/main" xmlns:ahyp="http://schemas.microsoft.com/office/drawing/2018/hyperlinkcolor">
+  <p:cSld>
+    <p:spTree>
+      <p:nvGrpSpPr>
+        <p:cNvPr id="100403" name="Shape 100403"/>
+        <p:cNvGrpSpPr/>
+        <p:nvPr/>
+      </p:nvGrpSpPr>
+      <p:grpSpPr>
+        <a:xfrm>
+          <a:off x="0" y="0"/>
+          <a:ext cx="0" cy="0"/>
+          <a:chOff x="0" y="0"/>
+          <a:chExt cx="0" cy="0"/>
+        </a:xfrm>
+      </p:grpSpPr>
+      <p:sp>
+        <p:nvSpPr>
+          <p:cNvPr id="100404" name="Google Shape;100404;p1"/>
+          <p:cNvSpPr txBox="1"/>
+          <p:nvPr>
+            <p:ph type="title"/>
+          </p:nvPr>
+        </p:nvSpPr>
+        <p:spPr>
+          <a:xfrm>
+            <a:off x="646111" y="452718"/>
+            <a:ext cx="9404700" cy="719400"/>
+          </a:xfrm>
+          <a:prstGeom prst="rect">
+            <a:avLst/>
+          </a:prstGeom>
+          <a:noFill/>
+          <a:ln>
+            <a:noFill/>
+          </a:ln>
+        </p:spPr>
+        <p:txBody>
+          <a:bodyPr anchorCtr="0" anchor="t" bIns="45700" lIns="91425" spcFirstLastPara="1" rIns="91425" wrap="square" tIns="45700">
+            <a:noAutofit/>
+          </a:bodyPr>
+          <a:lstStyle/>
+          <a:p>
+            <a:pPr indent="0" lvl="0" marL="0" rtl="0" algn="l">
+              <a:spcBef>
+                <a:spcPts val="0"/>
+              </a:spcBef>
+              <a:spcAft>
+                <a:spcPts val="0"/>
+              </a:spcAft>
+              <a:buClr>
+                <a:schemeClr val="lt2"/>
+              </a:buClr>
+              <a:buSzPts val="4200"/>
+              <a:buFont typeface="Century Gothic"/>
+              <a:buNone/>
+            </a:pPr>
+            <a:r>
+              <a:rPr b="1" lang="en-GB"/>
+              <a:t>TRANSFER FUNCTIONS</a:t>
+            </a:r>
+            <a:endParaRPr b="1"/>
+          </a:p>
+        </p:txBody>
+      </p:sp>
+      <p:sp>
+        <p:nvSpPr>
+          <p:cNvPr id="100405" name="Google Shape;100405;p1"/>
+          <p:cNvSpPr txBox="1"/>
+          <p:nvPr>
+            <p:ph idx="1" type="body"/>
+          </p:nvPr>
+        </p:nvSpPr>
+        <p:spPr>
+          <a:xfrm>
+            <a:off x="646112" y="1506828"/>
+            <a:ext cx="5537100" cy="4741500"/>
+          </a:xfrm>
+          <a:prstGeom prst="rect">
+            <a:avLst/>
+          </a:prstGeom>
+          <a:noFill/>
+          <a:ln>
+            <a:noFill/>
+          </a:ln>
+        </p:spPr>
+        <p:txBody>
+          <a:bodyPr anchorCtr="0" anchor="t" bIns="45700" lIns="91425" spcFirstLastPara="1" rIns="91425" wrap="square" tIns="45700">
+            <a:normAutofit lnSpcReduction="10000"/>
+          </a:bodyPr>
+          <a:lstStyle/>
+          <a:p>
+            <a:pPr indent="-342900" lvl="0" marL="342900" rtl="0" algn="just">
+              <a:spcBef>
+                <a:spcPts val="0"/>
+              </a:spcBef>
+              <a:spcAft>
+                <a:spcPts val="0"/>
+              </a:spcAft>
+              <a:buSzPts val="1280"/>
+              <a:buChar char="•"/>
+            </a:pPr>
+            <a:r>
+              <a:rPr lang="en-GB" sz="1600"/>
+              <a:t>It is used to determine the output of neural network like yes or no. It maps the resulting values in between 0 to 1 or -1 to 1 etc (depending upon the function). It is also known as Activation Functions.</a:t>
+            </a:r>
+            <a:endParaRPr sz="1600"/>
+          </a:p>
+          <a:p>
+            <a:pPr indent="-342900" lvl="0" marL="342900" rtl="0" algn="just">
+              <a:spcBef>
+                <a:spcPts val="1000"/>
+              </a:spcBef>
+              <a:spcAft>
+                <a:spcPts val="0"/>
+              </a:spcAft>
+              <a:buSzPts val="1280"/>
+              <a:buChar char="•"/>
+            </a:pPr>
+            <a:r>
+              <a:rPr lang="en-GB" sz="1600"/>
+              <a:t>The Activation Functions can be basically divided into 2 types-</a:t>
+            </a:r>
+            <a:endParaRPr/>
+          </a:p>
+          <a:p>
+            <a:pPr indent="-342900" lvl="0" marL="342900" rtl="0" algn="just">
+              <a:spcBef>
+                <a:spcPts val="1000"/>
+              </a:spcBef>
+              <a:spcAft>
+                <a:spcPts val="0"/>
+              </a:spcAft>
+              <a:buSzPts val="1280"/>
+              <a:buFont typeface="Century Gothic"/>
+              <a:buAutoNum type="arabicPeriod"/>
+            </a:pPr>
+            <a:r>
+              <a:rPr lang="en-GB" sz="1600"/>
+              <a:t>Linear Activation Function</a:t>
+            </a:r>
+            <a:endParaRPr/>
+          </a:p>
+          <a:p>
+            <a:pPr indent="-342900" lvl="0" marL="342900" rtl="0" algn="just">
+              <a:spcBef>
+                <a:spcPts val="1000"/>
+              </a:spcBef>
+              <a:spcAft>
+                <a:spcPts val="0"/>
+              </a:spcAft>
+              <a:buSzPts val="1280"/>
+              <a:buFont typeface="Century Gothic"/>
+              <a:buAutoNum type="arabicPeriod"/>
+            </a:pPr>
+            <a:r>
+              <a:rPr lang="en-GB" sz="1600"/>
+              <a:t>Non-linear Activation Functions</a:t>
+            </a:r>
+            <a:endParaRPr/>
+          </a:p>
+          <a:p>
+            <a:pPr indent="0" lvl="0" marL="0" rtl="0" algn="just">
+              <a:spcBef>
+                <a:spcPts val="1000"/>
+              </a:spcBef>
+              <a:spcAft>
+                <a:spcPts val="0"/>
+              </a:spcAft>
+              <a:buSzPts val="1280"/>
+              <a:buNone/>
+            </a:pPr>
+            <a:r>
+              <a:t/>
+            </a:r>
+            <a:endParaRPr sz="1600"/>
+          </a:p>
+          <a:p>
+            <a:pPr indent="0" lvl="0" marL="0" rtl="0" algn="just">
+              <a:spcBef>
+                <a:spcPts val="1000"/>
+              </a:spcBef>
+              <a:spcAft>
+                <a:spcPts val="0"/>
+              </a:spcAft>
+              <a:buSzPts val="1280"/>
+              <a:buNone/>
+            </a:pPr>
+            <a:r>
+              <a:rPr lang="en-GB" sz="1600"/>
+              <a:t>Generally, neural networks use </a:t>
+            </a:r>
+            <a:r>
+              <a:rPr b="1" lang="en-GB" sz="1600"/>
+              <a:t>non-linear activation functions</a:t>
+            </a:r>
+            <a:r>
+              <a:rPr lang="en-GB" sz="1600"/>
+              <a:t>, which can help the network learn complex data, compute and learn almost any function representing a question, and provide accurate predictions. They </a:t>
+            </a:r>
+            <a:r>
+              <a:rPr b="1" lang="en-GB" sz="1600"/>
+              <a:t>allow back-propagation</a:t>
+            </a:r>
+            <a:r>
+              <a:rPr lang="en-GB" sz="1600"/>
+              <a:t> because they have a derivative function which is related to the inputs.</a:t>
+            </a:r>
+            <a:endParaRPr sz="1600"/>
+          </a:p>
+        </p:txBody>
+      </p:sp>
+      <p:pic>
+        <p:nvPicPr>
+          <p:cNvPr id="100406" name="Google Shape;100406;p1"/>
+          <p:cNvPicPr preferRelativeResize="0"/>
+          <p:nvPr/>
+        </p:nvPicPr>
+        <p:blipFill rotWithShape="1">
+          <a:blip r:embed="rId3">
+            <a:alphaModFix/>
+          </a:blip>
+          <a:srcRect b="0" l="0" r="0" t="0"/>
+          <a:stretch/>
+        </p:blipFill>
+        <p:spPr>
+          <a:xfrm>
+            <a:off x="6451600" y="1955168"/>
+            <a:ext cx="5097944" cy="3302632"/>
+          </a:xfrm>
+          <a:prstGeom prst="rect">
+            <a:avLst/>
+          </a:prstGeom>
+          <a:noFill/>
+          <a:ln>
+            <a:noFill/>
+          </a:ln>
+        </p:spPr>
+      </p:pic>
+    </p:spTree>
+  </p:cSld>
+  <p:clrMapOvr>
+    <a:masterClrMapping/>
+  </p:clrMapOvr>
+</p:sld>
+</file>
+
+<file path=ppt/slides/slide16.xml><?xml version="1.0" encoding="utf-8"?>
+<p:sld xmlns:a="http://schemas.openxmlformats.org/drawingml/2006/main" xmlns:r="http://schemas.openxmlformats.org/officeDocument/2006/relationships" xmlns:mc="http://schemas.openxmlformats.org/markup-compatibility/2006" xmlns:mv="urn:schemas-microsoft-com:mac:vml" xmlns:p="http://schemas.openxmlformats.org/presentationml/2006/main" xmlns:c="http://schemas.openxmlformats.org/drawingml/2006/chart" xmlns:dgm="http://schemas.openxmlformats.org/drawingml/2006/diagram" xmlns:o="urn:schemas-microsoft-com:office:office" xmlns:v="urn:schemas-microsoft-com:vml" xmlns:pvml="urn:schemas-microsoft-com:office:powerpoint" xmlns:com="http://schemas.openxmlformats.org/drawingml/2006/compatibility" xmlns:p14="http://schemas.microsoft.com/office/powerpoint/2010/main" xmlns:p15="http://schemas.microsoft.com/office/powerpoint/2012/main" xmlns:ahyp="http://schemas.microsoft.com/office/drawing/2018/hyperlinkcolor">
+  <p:cSld>
+    <p:spTree>
+      <p:nvGrpSpPr>
+        <p:cNvPr id="100410" name="Shape 100410"/>
+        <p:cNvGrpSpPr/>
+        <p:nvPr/>
+      </p:nvGrpSpPr>
+      <p:grpSpPr>
+        <a:xfrm>
+          <a:off x="0" y="0"/>
+          <a:ext cx="0" cy="0"/>
+          <a:chOff x="0" y="0"/>
+          <a:chExt cx="0" cy="0"/>
+        </a:xfrm>
+      </p:grpSpPr>
+      <p:sp>
+        <p:nvSpPr>
+          <p:cNvPr id="100411" name="Google Shape;100411;p2"/>
+          <p:cNvSpPr txBox="1"/>
+          <p:nvPr>
+            <p:ph type="title"/>
+          </p:nvPr>
+        </p:nvSpPr>
+        <p:spPr>
+          <a:xfrm>
+            <a:off x="646111" y="452718"/>
+            <a:ext cx="9404700" cy="719400"/>
+          </a:xfrm>
+          <a:prstGeom prst="rect">
+            <a:avLst/>
+          </a:prstGeom>
+          <a:noFill/>
+          <a:ln>
+            <a:noFill/>
+          </a:ln>
+        </p:spPr>
+        <p:txBody>
+          <a:bodyPr anchorCtr="0" anchor="t" bIns="45700" lIns="91425" spcFirstLastPara="1" rIns="91425" wrap="square" tIns="45700">
+            <a:noAutofit/>
+          </a:bodyPr>
+          <a:lstStyle/>
+          <a:p>
+            <a:pPr indent="0" lvl="0" marL="0" rtl="0" algn="l">
+              <a:spcBef>
+                <a:spcPts val="0"/>
+              </a:spcBef>
+              <a:spcAft>
+                <a:spcPts val="0"/>
+              </a:spcAft>
+              <a:buClr>
+                <a:schemeClr val="lt2"/>
+              </a:buClr>
+              <a:buSzPts val="4200"/>
+              <a:buFont typeface="Century Gothic"/>
+              <a:buNone/>
+            </a:pPr>
+            <a:r>
+              <a:rPr b="1" lang="en-GB"/>
+              <a:t>1. Sigmoid Activation Function:</a:t>
+            </a:r>
+            <a:br>
+              <a:rPr lang="en-GB"/>
+            </a:br>
+            <a:endParaRPr b="1"/>
+          </a:p>
+        </p:txBody>
+      </p:sp>
+      <p:sp>
+        <p:nvSpPr>
+          <p:cNvPr id="100412" name="Google Shape;100412;p2"/>
+          <p:cNvSpPr txBox="1"/>
+          <p:nvPr>
+            <p:ph idx="1" type="body"/>
+          </p:nvPr>
+        </p:nvSpPr>
+        <p:spPr>
+          <a:xfrm>
+            <a:off x="646112" y="1506828"/>
+            <a:ext cx="10829100" cy="4741500"/>
+          </a:xfrm>
+          <a:prstGeom prst="rect">
+            <a:avLst/>
+          </a:prstGeom>
+          <a:noFill/>
+          <a:ln>
+            <a:noFill/>
+          </a:ln>
+        </p:spPr>
+        <p:txBody>
+          <a:bodyPr anchorCtr="0" anchor="t" bIns="45700" lIns="91425" spcFirstLastPara="1" rIns="91425" wrap="square" tIns="45700">
+            <a:normAutofit/>
+          </a:bodyPr>
+          <a:lstStyle/>
+          <a:p>
+            <a:pPr indent="-342900" lvl="0" marL="342900" rtl="0" algn="just">
+              <a:spcBef>
+                <a:spcPts val="0"/>
+              </a:spcBef>
+              <a:spcAft>
+                <a:spcPts val="0"/>
+              </a:spcAft>
+              <a:buSzPts val="1280"/>
+              <a:buChar char="•"/>
+            </a:pPr>
+            <a:r>
+              <a:rPr lang="en-GB" sz="1600"/>
+              <a:t>Sigmoid Activation function is very simple which takes a real value as input and gives probability that ‘s always between 0 or 1. It looks like ‘S’ shape.</a:t>
+            </a:r>
+            <a:endParaRPr/>
+          </a:p>
+          <a:p>
+            <a:pPr indent="-261620" lvl="0" marL="342900" rtl="0" algn="just">
+              <a:spcBef>
+                <a:spcPts val="1000"/>
+              </a:spcBef>
+              <a:spcAft>
+                <a:spcPts val="0"/>
+              </a:spcAft>
+              <a:buSzPts val="1280"/>
+              <a:buNone/>
+            </a:pPr>
+            <a:r>
+              <a:t/>
+            </a:r>
+            <a:endParaRPr sz="1600"/>
+          </a:p>
+          <a:p>
+            <a:pPr indent="-261620" lvl="0" marL="342900" rtl="0" algn="just">
+              <a:spcBef>
+                <a:spcPts val="1000"/>
+              </a:spcBef>
+              <a:spcAft>
+                <a:spcPts val="0"/>
+              </a:spcAft>
+              <a:buSzPts val="1280"/>
+              <a:buNone/>
+            </a:pPr>
+            <a:r>
+              <a:t/>
+            </a:r>
+            <a:endParaRPr sz="1600"/>
+          </a:p>
+          <a:p>
+            <a:pPr indent="-261620" lvl="0" marL="342900" rtl="0" algn="just">
+              <a:spcBef>
+                <a:spcPts val="1000"/>
+              </a:spcBef>
+              <a:spcAft>
+                <a:spcPts val="0"/>
+              </a:spcAft>
+              <a:buSzPts val="1280"/>
+              <a:buNone/>
+            </a:pPr>
+            <a:r>
+              <a:t/>
+            </a:r>
+            <a:endParaRPr sz="1600"/>
+          </a:p>
+          <a:p>
+            <a:pPr indent="-261620" lvl="0" marL="342900" rtl="0" algn="just">
+              <a:spcBef>
+                <a:spcPts val="1000"/>
+              </a:spcBef>
+              <a:spcAft>
+                <a:spcPts val="0"/>
+              </a:spcAft>
+              <a:buSzPts val="1280"/>
+              <a:buNone/>
+            </a:pPr>
+            <a:r>
+              <a:t/>
+            </a:r>
+            <a:endParaRPr sz="1600"/>
+          </a:p>
+          <a:p>
+            <a:pPr indent="-261620" lvl="0" marL="342900" rtl="0" algn="just">
+              <a:spcBef>
+                <a:spcPts val="1000"/>
+              </a:spcBef>
+              <a:spcAft>
+                <a:spcPts val="0"/>
+              </a:spcAft>
+              <a:buSzPts val="1280"/>
+              <a:buNone/>
+            </a:pPr>
+            <a:r>
+              <a:t/>
+            </a:r>
+            <a:endParaRPr sz="1600"/>
+          </a:p>
+          <a:p>
+            <a:pPr indent="-261620" lvl="0" marL="342900" rtl="0" algn="just">
+              <a:spcBef>
+                <a:spcPts val="1000"/>
+              </a:spcBef>
+              <a:spcAft>
+                <a:spcPts val="0"/>
+              </a:spcAft>
+              <a:buSzPts val="1280"/>
+              <a:buNone/>
+            </a:pPr>
+            <a:r>
+              <a:t/>
+            </a:r>
+            <a:endParaRPr sz="1600"/>
+          </a:p>
+          <a:p>
+            <a:pPr indent="-261620" lvl="0" marL="342900" rtl="0" algn="just">
+              <a:spcBef>
+                <a:spcPts val="1000"/>
+              </a:spcBef>
+              <a:spcAft>
+                <a:spcPts val="0"/>
+              </a:spcAft>
+              <a:buSzPts val="1280"/>
+              <a:buNone/>
+            </a:pPr>
+            <a:r>
+              <a:t/>
+            </a:r>
+            <a:endParaRPr sz="1600"/>
+          </a:p>
+          <a:p>
+            <a:pPr indent="-342900" lvl="0" marL="342900" rtl="0" algn="just">
+              <a:spcBef>
+                <a:spcPts val="1000"/>
+              </a:spcBef>
+              <a:spcAft>
+                <a:spcPts val="0"/>
+              </a:spcAft>
+              <a:buSzPts val="1280"/>
+              <a:buChar char="•"/>
+            </a:pPr>
+            <a:r>
+              <a:rPr lang="en-GB" sz="1600"/>
+              <a:t>It’s non-linear, continuously differentiable, monotonic, and has a fixed output range. Main advantage is simple and good for classifier. But big disadvantage of the function is that it gives rise to a problem of “vanishing gradients” because Its output isn’t zero centered. It makes the gradient updates go too far in different directions. 0 &lt; output &lt; 1, and it makes optimization harder. That takes very high computational time in hidden layer of neural network.</a:t>
+            </a:r>
+            <a:endParaRPr sz="1600"/>
+          </a:p>
+        </p:txBody>
+      </p:sp>
+      <p:pic>
+        <p:nvPicPr>
+          <p:cNvPr id="100413" name="Google Shape;100413;p2"/>
+          <p:cNvPicPr preferRelativeResize="0"/>
+          <p:nvPr/>
+        </p:nvPicPr>
+        <p:blipFill rotWithShape="1">
+          <a:blip r:embed="rId3">
+            <a:alphaModFix/>
+          </a:blip>
+          <a:srcRect b="0" l="0" r="0" t="0"/>
+          <a:stretch/>
+        </p:blipFill>
+        <p:spPr>
+          <a:xfrm>
+            <a:off x="4259022" y="2302783"/>
+            <a:ext cx="3673955" cy="2088906"/>
+          </a:xfrm>
+          <a:prstGeom prst="rect">
+            <a:avLst/>
+          </a:prstGeom>
+          <a:noFill/>
+          <a:ln>
+            <a:noFill/>
+          </a:ln>
+        </p:spPr>
+      </p:pic>
+    </p:spTree>
+  </p:cSld>
+  <p:clrMapOvr>
+    <a:masterClrMapping/>
+  </p:clrMapOvr>
+</p:sld>
+</file>
+
+<file path=ppt/slides/slide17.xml><?xml version="1.0" encoding="utf-8"?>
+<p:sld xmlns:a="http://schemas.openxmlformats.org/drawingml/2006/main" xmlns:r="http://schemas.openxmlformats.org/officeDocument/2006/relationships" xmlns:mc="http://schemas.openxmlformats.org/markup-compatibility/2006" xmlns:mv="urn:schemas-microsoft-com:mac:vml" xmlns:p="http://schemas.openxmlformats.org/presentationml/2006/main" xmlns:c="http://schemas.openxmlformats.org/drawingml/2006/chart" xmlns:dgm="http://schemas.openxmlformats.org/drawingml/2006/diagram" xmlns:o="urn:schemas-microsoft-com:office:office" xmlns:v="urn:schemas-microsoft-com:vml" xmlns:pvml="urn:schemas-microsoft-com:office:powerpoint" xmlns:com="http://schemas.openxmlformats.org/drawingml/2006/compatibility" xmlns:p14="http://schemas.microsoft.com/office/powerpoint/2010/main" xmlns:p15="http://schemas.microsoft.com/office/powerpoint/2012/main" xmlns:ahyp="http://schemas.microsoft.com/office/drawing/2018/hyperlinkcolor">
+  <p:cSld>
+    <p:spTree>
+      <p:nvGrpSpPr>
+        <p:cNvPr id="100417" name="Shape 100417"/>
+        <p:cNvGrpSpPr/>
+        <p:nvPr/>
+      </p:nvGrpSpPr>
+      <p:grpSpPr>
+        <a:xfrm>
+          <a:off x="0" y="0"/>
+          <a:ext cx="0" cy="0"/>
+          <a:chOff x="0" y="0"/>
+          <a:chExt cx="0" cy="0"/>
+        </a:xfrm>
+      </p:grpSpPr>
+      <p:sp>
+        <p:nvSpPr>
+          <p:cNvPr id="100418" name="Google Shape;100418;p3"/>
+          <p:cNvSpPr txBox="1"/>
+          <p:nvPr>
+            <p:ph type="title"/>
+          </p:nvPr>
+        </p:nvSpPr>
+        <p:spPr>
+          <a:xfrm>
+            <a:off x="646111" y="452718"/>
+            <a:ext cx="9404700" cy="719400"/>
+          </a:xfrm>
+          <a:prstGeom prst="rect">
+            <a:avLst/>
+          </a:prstGeom>
+          <a:noFill/>
+          <a:ln>
+            <a:noFill/>
+          </a:ln>
+        </p:spPr>
+        <p:txBody>
+          <a:bodyPr anchorCtr="0" anchor="t" bIns="45700" lIns="91425" spcFirstLastPara="1" rIns="91425" wrap="square" tIns="45700">
+            <a:noAutofit/>
+          </a:bodyPr>
+          <a:lstStyle/>
+          <a:p>
+            <a:pPr indent="0" lvl="0" marL="0" rtl="0" algn="l">
+              <a:spcBef>
+                <a:spcPts val="0"/>
+              </a:spcBef>
+              <a:spcAft>
+                <a:spcPts val="0"/>
+              </a:spcAft>
+              <a:buClr>
+                <a:schemeClr val="lt2"/>
+              </a:buClr>
+              <a:buSzPts val="4200"/>
+              <a:buFont typeface="Century Gothic"/>
+              <a:buNone/>
+            </a:pPr>
+            <a:r>
+              <a:rPr b="1" lang="en-GB"/>
+              <a:t>2. ReLU (Rectified Linear Unit):</a:t>
+            </a:r>
+            <a:endParaRPr b="1"/>
+          </a:p>
+        </p:txBody>
+      </p:sp>
+      <p:sp>
+        <p:nvSpPr>
+          <p:cNvPr id="100419" name="Google Shape;100419;p3"/>
+          <p:cNvSpPr txBox="1"/>
+          <p:nvPr>
+            <p:ph idx="1" type="body"/>
+          </p:nvPr>
+        </p:nvSpPr>
+        <p:spPr>
+          <a:xfrm>
+            <a:off x="646112" y="1506828"/>
+            <a:ext cx="10829100" cy="5605200"/>
+          </a:xfrm>
+          <a:prstGeom prst="rect">
+            <a:avLst/>
+          </a:prstGeom>
+          <a:noFill/>
+          <a:ln>
+            <a:noFill/>
+          </a:ln>
+        </p:spPr>
+        <p:txBody>
+          <a:bodyPr anchorCtr="0" anchor="t" bIns="45700" lIns="91425" spcFirstLastPara="1" rIns="91425" wrap="square" tIns="45700">
+            <a:normAutofit/>
+          </a:bodyPr>
+          <a:lstStyle/>
+          <a:p>
+            <a:pPr indent="-342900" lvl="0" marL="342900" rtl="0" algn="just">
+              <a:spcBef>
+                <a:spcPts val="0"/>
+              </a:spcBef>
+              <a:spcAft>
+                <a:spcPts val="0"/>
+              </a:spcAft>
+              <a:buSzPts val="1280"/>
+              <a:buChar char="•"/>
+            </a:pPr>
+            <a:r>
+              <a:rPr lang="en-GB" sz="1600"/>
+              <a:t>This is most popular activation function which is used in hidden layer of Neural Network. The formula is deceptively simple: 𝑚𝑎𝑥(0,𝑧)max(0,z). Despite its name and appearance, it’s not linear and provides the same benefits as Sigmoid but with better performance.</a:t>
+            </a:r>
+            <a:endParaRPr/>
+          </a:p>
+          <a:p>
+            <a:pPr indent="-261620" lvl="0" marL="342900" rtl="0" algn="just">
+              <a:spcBef>
+                <a:spcPts val="1000"/>
+              </a:spcBef>
+              <a:spcAft>
+                <a:spcPts val="0"/>
+              </a:spcAft>
+              <a:buSzPts val="1280"/>
+              <a:buNone/>
+            </a:pPr>
+            <a:r>
+              <a:t/>
+            </a:r>
+            <a:endParaRPr sz="1600"/>
+          </a:p>
+          <a:p>
+            <a:pPr indent="-261620" lvl="0" marL="342900" rtl="0" algn="just">
+              <a:spcBef>
+                <a:spcPts val="1000"/>
+              </a:spcBef>
+              <a:spcAft>
+                <a:spcPts val="0"/>
+              </a:spcAft>
+              <a:buSzPts val="1280"/>
+              <a:buNone/>
+            </a:pPr>
+            <a:r>
+              <a:t/>
+            </a:r>
+            <a:endParaRPr sz="1600"/>
+          </a:p>
+          <a:p>
+            <a:pPr indent="-261620" lvl="0" marL="342900" rtl="0" algn="just">
+              <a:spcBef>
+                <a:spcPts val="1000"/>
+              </a:spcBef>
+              <a:spcAft>
+                <a:spcPts val="0"/>
+              </a:spcAft>
+              <a:buSzPts val="1280"/>
+              <a:buNone/>
+            </a:pPr>
+            <a:r>
+              <a:t/>
+            </a:r>
+            <a:endParaRPr sz="1600"/>
+          </a:p>
+          <a:p>
+            <a:pPr indent="-261620" lvl="0" marL="342900" rtl="0" algn="just">
+              <a:spcBef>
+                <a:spcPts val="1000"/>
+              </a:spcBef>
+              <a:spcAft>
+                <a:spcPts val="0"/>
+              </a:spcAft>
+              <a:buSzPts val="1280"/>
+              <a:buNone/>
+            </a:pPr>
+            <a:r>
+              <a:t/>
+            </a:r>
+            <a:endParaRPr sz="1600"/>
+          </a:p>
+          <a:p>
+            <a:pPr indent="-261620" lvl="0" marL="342900" rtl="0" algn="just">
+              <a:spcBef>
+                <a:spcPts val="1000"/>
+              </a:spcBef>
+              <a:spcAft>
+                <a:spcPts val="0"/>
+              </a:spcAft>
+              <a:buSzPts val="1280"/>
+              <a:buNone/>
+            </a:pPr>
+            <a:r>
+              <a:t/>
+            </a:r>
+            <a:endParaRPr sz="1600"/>
+          </a:p>
+          <a:p>
+            <a:pPr indent="0" lvl="0" marL="0" rtl="0" algn="just">
+              <a:spcBef>
+                <a:spcPts val="1000"/>
+              </a:spcBef>
+              <a:spcAft>
+                <a:spcPts val="0"/>
+              </a:spcAft>
+              <a:buSzPts val="1280"/>
+              <a:buNone/>
+            </a:pPr>
+            <a:r>
+              <a:t/>
+            </a:r>
+            <a:endParaRPr sz="1600"/>
+          </a:p>
+          <a:p>
+            <a:pPr indent="-342900" lvl="0" marL="342900" rtl="0" algn="just">
+              <a:spcBef>
+                <a:spcPts val="1000"/>
+              </a:spcBef>
+              <a:spcAft>
+                <a:spcPts val="0"/>
+              </a:spcAft>
+              <a:buSzPts val="1280"/>
+              <a:buChar char="•"/>
+            </a:pPr>
+            <a:r>
+              <a:rPr lang="en-GB" sz="1600"/>
+              <a:t>It’s main advantage is that it avoids and rectifies vanishing gradient problem and less computationally expensive than tanh and sigmoid. But it also has some draw back. Sometime some gradients can be fragile during training and can die. That leads to dead neurons. In other words, for activations in the region (x&lt;0) of ReLu, gradient will be 0 because of which the weights will not get adjusted during descent. That means, those neurons which go into that state will stop responding to variations in error/ input ( simply because gradient is 0, nothing changes ). So We should be very careful to choose activation function , and activation function should be as per business requirement.</a:t>
+            </a:r>
+            <a:endParaRPr/>
+          </a:p>
+        </p:txBody>
+      </p:sp>
+      <p:pic>
+        <p:nvPicPr>
+          <p:cNvPr id="100420" name="Google Shape;100420;p3"/>
+          <p:cNvPicPr preferRelativeResize="0"/>
+          <p:nvPr/>
+        </p:nvPicPr>
+        <p:blipFill rotWithShape="1">
+          <a:blip r:embed="rId3">
+            <a:alphaModFix/>
+          </a:blip>
+          <a:srcRect b="0" l="0" r="0" t="0"/>
+          <a:stretch/>
+        </p:blipFill>
+        <p:spPr>
+          <a:xfrm>
+            <a:off x="4195196" y="2333172"/>
+            <a:ext cx="3801609" cy="2259242"/>
+          </a:xfrm>
+          <a:prstGeom prst="rect">
+            <a:avLst/>
+          </a:prstGeom>
+          <a:noFill/>
+          <a:ln>
+            <a:noFill/>
+          </a:ln>
+        </p:spPr>
+      </p:pic>
+    </p:spTree>
+  </p:cSld>
+  <p:clrMapOvr>
+    <a:masterClrMapping/>
+  </p:clrMapOvr>
+</p:sld>
+</file>
+
+<file path=ppt/slides/slide18.xml><?xml version="1.0" encoding="utf-8"?>
+<p:sld xmlns:a="http://schemas.openxmlformats.org/drawingml/2006/main" xmlns:r="http://schemas.openxmlformats.org/officeDocument/2006/relationships" xmlns:mc="http://schemas.openxmlformats.org/markup-compatibility/2006" xmlns:mv="urn:schemas-microsoft-com:mac:vml" xmlns:p="http://schemas.openxmlformats.org/presentationml/2006/main" xmlns:c="http://schemas.openxmlformats.org/drawingml/2006/chart" xmlns:dgm="http://schemas.openxmlformats.org/drawingml/2006/diagram" xmlns:o="urn:schemas-microsoft-com:office:office" xmlns:v="urn:schemas-microsoft-com:vml" xmlns:pvml="urn:schemas-microsoft-com:office:powerpoint" xmlns:com="http://schemas.openxmlformats.org/drawingml/2006/compatibility" xmlns:p14="http://schemas.microsoft.com/office/powerpoint/2010/main" xmlns:p15="http://schemas.microsoft.com/office/powerpoint/2012/main" xmlns:ahyp="http://schemas.microsoft.com/office/drawing/2018/hyperlinkcolor">
+  <p:cSld>
+    <p:spTree>
+      <p:nvGrpSpPr>
+        <p:cNvPr id="100424" name="Shape 100424"/>
+        <p:cNvGrpSpPr/>
+        <p:nvPr/>
+      </p:nvGrpSpPr>
+      <p:grpSpPr>
+        <a:xfrm>
+          <a:off x="0" y="0"/>
+          <a:ext cx="0" cy="0"/>
+          <a:chOff x="0" y="0"/>
+          <a:chExt cx="0" cy="0"/>
+        </a:xfrm>
+      </p:grpSpPr>
+      <p:sp>
+        <p:nvSpPr>
+          <p:cNvPr id="100425" name="Google Shape;100425;p4"/>
+          <p:cNvSpPr txBox="1"/>
+          <p:nvPr>
+            <p:ph type="title"/>
+          </p:nvPr>
+        </p:nvSpPr>
+        <p:spPr>
+          <a:xfrm>
+            <a:off x="646111" y="452718"/>
+            <a:ext cx="9404700" cy="719400"/>
+          </a:xfrm>
+          <a:prstGeom prst="rect">
+            <a:avLst/>
+          </a:prstGeom>
+          <a:noFill/>
+          <a:ln>
+            <a:noFill/>
+          </a:ln>
+        </p:spPr>
+        <p:txBody>
+          <a:bodyPr anchorCtr="0" anchor="t" bIns="45700" lIns="91425" spcFirstLastPara="1" rIns="91425" wrap="square" tIns="45700">
+            <a:noAutofit/>
+          </a:bodyPr>
+          <a:lstStyle/>
+          <a:p>
+            <a:pPr indent="0" lvl="0" marL="0" rtl="0" algn="l">
+              <a:spcBef>
+                <a:spcPts val="0"/>
+              </a:spcBef>
+              <a:spcAft>
+                <a:spcPts val="0"/>
+              </a:spcAft>
+              <a:buClr>
+                <a:schemeClr val="lt2"/>
+              </a:buClr>
+              <a:buSzPts val="4200"/>
+              <a:buFont typeface="Century Gothic"/>
+              <a:buNone/>
+            </a:pPr>
+            <a:r>
+              <a:rPr b="1" lang="en-GB"/>
+              <a:t>3. Tanh or Hyperbolic tangent:</a:t>
+            </a:r>
+            <a:endParaRPr b="1"/>
+          </a:p>
+        </p:txBody>
+      </p:sp>
+      <p:sp>
+        <p:nvSpPr>
+          <p:cNvPr id="100426" name="Google Shape;100426;p4"/>
+          <p:cNvSpPr txBox="1"/>
+          <p:nvPr>
+            <p:ph idx="1" type="body"/>
+          </p:nvPr>
+        </p:nvSpPr>
+        <p:spPr>
+          <a:xfrm>
+            <a:off x="646112" y="1506828"/>
+            <a:ext cx="10829100" cy="4741500"/>
+          </a:xfrm>
+          <a:prstGeom prst="rect">
+            <a:avLst/>
+          </a:prstGeom>
+          <a:noFill/>
+          <a:ln>
+            <a:noFill/>
+          </a:ln>
+        </p:spPr>
+        <p:txBody>
+          <a:bodyPr anchorCtr="0" anchor="t" bIns="45700" lIns="91425" spcFirstLastPara="1" rIns="91425" wrap="square" tIns="45700">
+            <a:normAutofit/>
+          </a:bodyPr>
+          <a:lstStyle/>
+          <a:p>
+            <a:pPr indent="-342900" lvl="0" marL="342900" rtl="0" algn="just">
+              <a:spcBef>
+                <a:spcPts val="0"/>
+              </a:spcBef>
+              <a:spcAft>
+                <a:spcPts val="0"/>
+              </a:spcAft>
+              <a:buSzPts val="1280"/>
+              <a:buChar char="•"/>
+            </a:pPr>
+            <a:r>
+              <a:rPr lang="en-GB" sz="1600"/>
+              <a:t>Tanh helps to solve non zero centered problem of sigmoid function. Tanh squashes a real-valued number to the range [-1, 1].</a:t>
+            </a:r>
+            <a:endParaRPr/>
+          </a:p>
+          <a:p>
+            <a:pPr indent="-261620" lvl="0" marL="342900" rtl="0" algn="just">
+              <a:spcBef>
+                <a:spcPts val="1000"/>
+              </a:spcBef>
+              <a:spcAft>
+                <a:spcPts val="0"/>
+              </a:spcAft>
+              <a:buSzPts val="1280"/>
+              <a:buNone/>
+            </a:pPr>
+            <a:r>
+              <a:t/>
+            </a:r>
+            <a:endParaRPr sz="1600"/>
+          </a:p>
+          <a:p>
+            <a:pPr indent="-261620" lvl="0" marL="342900" rtl="0" algn="just">
+              <a:spcBef>
+                <a:spcPts val="1000"/>
+              </a:spcBef>
+              <a:spcAft>
+                <a:spcPts val="0"/>
+              </a:spcAft>
+              <a:buSzPts val="1280"/>
+              <a:buNone/>
+            </a:pPr>
+            <a:r>
+              <a:t/>
+            </a:r>
+            <a:endParaRPr sz="1600"/>
+          </a:p>
+          <a:p>
+            <a:pPr indent="-261620" lvl="0" marL="342900" rtl="0" algn="just">
+              <a:spcBef>
+                <a:spcPts val="1000"/>
+              </a:spcBef>
+              <a:spcAft>
+                <a:spcPts val="0"/>
+              </a:spcAft>
+              <a:buSzPts val="1280"/>
+              <a:buNone/>
+            </a:pPr>
+            <a:r>
+              <a:t/>
+            </a:r>
+            <a:endParaRPr sz="1600"/>
+          </a:p>
+          <a:p>
+            <a:pPr indent="-261620" lvl="0" marL="342900" rtl="0" algn="just">
+              <a:spcBef>
+                <a:spcPts val="1000"/>
+              </a:spcBef>
+              <a:spcAft>
+                <a:spcPts val="0"/>
+              </a:spcAft>
+              <a:buSzPts val="1280"/>
+              <a:buNone/>
+            </a:pPr>
+            <a:r>
+              <a:t/>
+            </a:r>
+            <a:endParaRPr sz="1600"/>
+          </a:p>
+          <a:p>
+            <a:pPr indent="-261620" lvl="0" marL="342900" rtl="0" algn="just">
+              <a:spcBef>
+                <a:spcPts val="1000"/>
+              </a:spcBef>
+              <a:spcAft>
+                <a:spcPts val="0"/>
+              </a:spcAft>
+              <a:buSzPts val="1280"/>
+              <a:buNone/>
+            </a:pPr>
+            <a:r>
+              <a:t/>
+            </a:r>
+            <a:endParaRPr sz="1600"/>
+          </a:p>
+          <a:p>
+            <a:pPr indent="-261620" lvl="0" marL="342900" rtl="0" algn="just">
+              <a:spcBef>
+                <a:spcPts val="1000"/>
+              </a:spcBef>
+              <a:spcAft>
+                <a:spcPts val="0"/>
+              </a:spcAft>
+              <a:buSzPts val="1280"/>
+              <a:buNone/>
+            </a:pPr>
+            <a:r>
+              <a:t/>
+            </a:r>
+            <a:endParaRPr sz="1600"/>
+          </a:p>
+          <a:p>
+            <a:pPr indent="-261620" lvl="0" marL="342900" rtl="0" algn="just">
+              <a:spcBef>
+                <a:spcPts val="1000"/>
+              </a:spcBef>
+              <a:spcAft>
+                <a:spcPts val="0"/>
+              </a:spcAft>
+              <a:buSzPts val="1280"/>
+              <a:buNone/>
+            </a:pPr>
+            <a:r>
+              <a:t/>
+            </a:r>
+            <a:endParaRPr sz="1600"/>
+          </a:p>
+          <a:p>
+            <a:pPr indent="-342900" lvl="0" marL="342900" rtl="0" algn="l">
+              <a:spcBef>
+                <a:spcPts val="1000"/>
+              </a:spcBef>
+              <a:spcAft>
+                <a:spcPts val="0"/>
+              </a:spcAft>
+              <a:buSzPts val="1280"/>
+              <a:buChar char="•"/>
+            </a:pPr>
+            <a:r>
+              <a:rPr lang="en-GB" sz="1600"/>
+              <a:t>Derivative function gives us almost same as sigmoid’s derivative function.</a:t>
+            </a:r>
+            <a:endParaRPr/>
+          </a:p>
+          <a:p>
+            <a:pPr indent="-342900" lvl="0" marL="342900" rtl="0" algn="l">
+              <a:spcBef>
+                <a:spcPts val="1000"/>
+              </a:spcBef>
+              <a:spcAft>
+                <a:spcPts val="0"/>
+              </a:spcAft>
+              <a:buSzPts val="1280"/>
+              <a:buChar char="•"/>
+            </a:pPr>
+            <a:r>
+              <a:rPr lang="en-GB" sz="1600"/>
+              <a:t>It solves sigmoid’s drawback but it still can’t remove the vanishing gradient problem completely.</a:t>
+            </a:r>
+            <a:endParaRPr/>
+          </a:p>
+          <a:p>
+            <a:pPr indent="-261620" lvl="0" marL="342900" rtl="0" algn="just">
+              <a:spcBef>
+                <a:spcPts val="1000"/>
+              </a:spcBef>
+              <a:spcAft>
+                <a:spcPts val="0"/>
+              </a:spcAft>
+              <a:buSzPts val="1280"/>
+              <a:buNone/>
+            </a:pPr>
+            <a:r>
+              <a:t/>
+            </a:r>
+            <a:endParaRPr sz="1600"/>
+          </a:p>
+        </p:txBody>
+      </p:sp>
+      <p:pic>
+        <p:nvPicPr>
+          <p:cNvPr id="100427" name="Google Shape;100427;p4"/>
+          <p:cNvPicPr preferRelativeResize="0"/>
+          <p:nvPr/>
+        </p:nvPicPr>
+        <p:blipFill rotWithShape="1">
+          <a:blip r:embed="rId3">
+            <a:alphaModFix/>
+          </a:blip>
+          <a:srcRect b="0" l="0" r="0" t="0"/>
+          <a:stretch/>
+        </p:blipFill>
+        <p:spPr>
+          <a:xfrm>
+            <a:off x="3442154" y="1947863"/>
+            <a:ext cx="5307692" cy="2358132"/>
+          </a:xfrm>
+          <a:prstGeom prst="rect">
+            <a:avLst/>
+          </a:prstGeom>
+          <a:noFill/>
+          <a:ln>
+            <a:noFill/>
+          </a:ln>
+        </p:spPr>
+      </p:pic>
+    </p:spTree>
+  </p:cSld>
+  <p:clrMapOvr>
+    <a:masterClrMapping/>
+  </p:clrMapOvr>
+</p:sld>
+</file>
+
+<file path=ppt/slides/slide19.xml><?xml version="1.0" encoding="utf-8"?>
+<p:sld xmlns:a="http://schemas.openxmlformats.org/drawingml/2006/main" xmlns:r="http://schemas.openxmlformats.org/officeDocument/2006/relationships" xmlns:mc="http://schemas.openxmlformats.org/markup-compatibility/2006" xmlns:mv="urn:schemas-microsoft-com:mac:vml" xmlns:p="http://schemas.openxmlformats.org/presentationml/2006/main" xmlns:c="http://schemas.openxmlformats.org/drawingml/2006/chart" xmlns:dgm="http://schemas.openxmlformats.org/drawingml/2006/diagram" xmlns:o="urn:schemas-microsoft-com:office:office" xmlns:v="urn:schemas-microsoft-com:vml" xmlns:pvml="urn:schemas-microsoft-com:office:powerpoint" xmlns:com="http://schemas.openxmlformats.org/drawingml/2006/compatibility" xmlns:p14="http://schemas.microsoft.com/office/powerpoint/2010/main" xmlns:p15="http://schemas.microsoft.com/office/powerpoint/2012/main" xmlns:ahyp="http://schemas.microsoft.com/office/drawing/2018/hyperlinkcolor">
+  <p:cSld>
+    <p:spTree>
+      <p:nvGrpSpPr>
+        <p:cNvPr id="100431" name="Shape 100431"/>
+        <p:cNvGrpSpPr/>
+        <p:nvPr/>
+      </p:nvGrpSpPr>
+      <p:grpSpPr>
+        <a:xfrm>
+          <a:off x="0" y="0"/>
+          <a:ext cx="0" cy="0"/>
+          <a:chOff x="0" y="0"/>
+          <a:chExt cx="0" cy="0"/>
+        </a:xfrm>
+      </p:grpSpPr>
+      <p:sp>
+        <p:nvSpPr>
+          <p:cNvPr id="100432" name="Google Shape;100432;p5"/>
+          <p:cNvSpPr txBox="1"/>
+          <p:nvPr>
+            <p:ph idx="1" type="body"/>
+          </p:nvPr>
+        </p:nvSpPr>
+        <p:spPr>
+          <a:xfrm>
+            <a:off x="646112" y="696686"/>
+            <a:ext cx="10829100" cy="5551800"/>
+          </a:xfrm>
+          <a:prstGeom prst="rect">
+            <a:avLst/>
+          </a:prstGeom>
+          <a:noFill/>
+          <a:ln>
+            <a:noFill/>
+          </a:ln>
+        </p:spPr>
+        <p:txBody>
+          <a:bodyPr anchorCtr="0" anchor="t" bIns="45700" lIns="91425" spcFirstLastPara="1" rIns="91425" wrap="square" tIns="45700">
+            <a:normAutofit/>
+          </a:bodyPr>
+          <a:lstStyle/>
+          <a:p>
+            <a:pPr indent="-342900" lvl="0" marL="342900" rtl="0" algn="just">
+              <a:spcBef>
+                <a:spcPts val="0"/>
+              </a:spcBef>
+              <a:spcAft>
+                <a:spcPts val="0"/>
+              </a:spcAft>
+              <a:buSzPts val="1280"/>
+              <a:buChar char="•"/>
+            </a:pPr>
+            <a:r>
+              <a:rPr lang="en-GB" sz="1600"/>
+              <a:t>When we compare tanh activation function with sighmoid , this picture give you clear idea.</a:t>
+            </a:r>
+            <a:endParaRPr/>
+          </a:p>
+        </p:txBody>
+      </p:sp>
+      <p:pic>
+        <p:nvPicPr>
+          <p:cNvPr id="100433" name="Google Shape;100433;p5"/>
+          <p:cNvPicPr preferRelativeResize="0"/>
+          <p:nvPr/>
+        </p:nvPicPr>
+        <p:blipFill rotWithShape="1">
+          <a:blip r:embed="rId3">
+            <a:alphaModFix/>
+          </a:blip>
+          <a:srcRect b="0" l="0" r="0" t="0"/>
+          <a:stretch/>
+        </p:blipFill>
+        <p:spPr>
+          <a:xfrm>
+            <a:off x="2948067" y="1596571"/>
+            <a:ext cx="6295866" cy="4056337"/>
+          </a:xfrm>
+          <a:prstGeom prst="rect">
+            <a:avLst/>
+          </a:prstGeom>
+          <a:noFill/>
+          <a:ln>
+            <a:noFill/>
+          </a:ln>
+        </p:spPr>
+      </p:pic>
+    </p:spTree>
+  </p:cSld>
+  <p:clrMapOvr>
+    <a:masterClrMapping/>
+  </p:clrMapOvr>
+</p:sld>
+</file>
+
 <file path=ppt/slides/slide2.xml><?xml version="1.0" encoding="utf-8"?>
 <p:sld xmlns:a="http://schemas.openxmlformats.org/drawingml/2006/main" xmlns:r="http://schemas.openxmlformats.org/officeDocument/2006/relationships" xmlns:p="http://schemas.openxmlformats.org/presentationml/2006/main">
   <p:cSld>
@@ -6592,104 +9629,6 @@
     <p:extLst>
       <p:ext uri="{BB962C8B-B14F-4D97-AF65-F5344CB8AC3E}">
         <p14:creationId xmlns:p14="http://schemas.microsoft.com/office/powerpoint/2010/main" val="3504233265"/>
-      </p:ext>
-    </p:extLst>
-  </p:cSld>
-  <p:clrMapOvr>
-    <a:masterClrMapping/>
-  </p:clrMapOvr>
-</p:sld>
-</file>
-
-<file path=ppt/slides/slide5.xml><?xml version="1.0" encoding="utf-8"?>
-<p:sld xmlns:a="http://schemas.openxmlformats.org/drawingml/2006/main" xmlns:r="http://schemas.openxmlformats.org/officeDocument/2006/relationships" xmlns:p="http://schemas.openxmlformats.org/presentationml/2006/main">
-  <p:cSld>
-    <p:spTree>
-      <p:nvGrpSpPr>
-        <p:cNvPr id="1" name=""/>
-        <p:cNvGrpSpPr/>
-        <p:nvPr/>
-      </p:nvGrpSpPr>
-      <p:grpSpPr>
-        <a:xfrm>
-          <a:off x="0" y="0"/>
-          <a:ext cx="0" cy="0"/>
-          <a:chOff x="0" y="0"/>
-          <a:chExt cx="0" cy="0"/>
-        </a:xfrm>
-      </p:grpSpPr>
-      <p:sp>
-        <p:nvSpPr>
-          <p:cNvPr id="2" name="Title 1"/>
-          <p:cNvSpPr>
-            <a:spLocks noGrp="1"/>
-          </p:cNvSpPr>
-          <p:nvPr>
-            <p:ph type="title"/>
-          </p:nvPr>
-        </p:nvSpPr>
-        <p:spPr/>
-        <p:txBody>
-          <a:bodyPr/>
-          <a:lstStyle/>
-          <a:p>
-            <a:r>
-              <a:rPr lang="en-GB" dirty="0"/>
-              <a:t>Transfer functions</a:t>
-            </a:r>
-            <a:endParaRPr lang="en-IN" dirty="0"/>
-          </a:p>
-        </p:txBody>
-      </p:sp>
-      <p:sp>
-        <p:nvSpPr>
-          <p:cNvPr id="3" name="Content Placeholder 2"/>
-          <p:cNvSpPr>
-            <a:spLocks noGrp="1"/>
-          </p:cNvSpPr>
-          <p:nvPr>
-            <p:ph idx="1"/>
-          </p:nvPr>
-        </p:nvSpPr>
-        <p:spPr/>
-        <p:txBody>
-          <a:bodyPr/>
-          <a:lstStyle/>
-          <a:p>
-            <a:r>
-              <a:rPr lang="en-GB" dirty="0"/>
-              <a:t>Sigmoid – is used in DNN for classification purpose . It is used in the output layer. It is used in activation parameter.</a:t>
-            </a:r>
-          </a:p>
-          <a:p>
-            <a:r>
-              <a:rPr lang="en-GB" dirty="0" err="1"/>
-              <a:t>Relu</a:t>
-            </a:r>
-            <a:r>
-              <a:rPr lang="en-GB" dirty="0"/>
-              <a:t> – is used in DNN for regression purpose. It is used in input as well as in output layer. It is used in activation parameter.</a:t>
-            </a:r>
-          </a:p>
-          <a:p>
-            <a:r>
-              <a:rPr lang="en-GB" dirty="0" err="1"/>
-              <a:t>Tanh</a:t>
-            </a:r>
-            <a:r>
-              <a:rPr lang="en-GB" dirty="0"/>
-              <a:t> – is used very similar to the sigmoid function and is used for classification purpose.</a:t>
-            </a:r>
-          </a:p>
-          <a:p>
-            <a:endParaRPr lang="en-IN" dirty="0"/>
-          </a:p>
-        </p:txBody>
-      </p:sp>
-    </p:spTree>
-    <p:extLst>
-      <p:ext uri="{BB962C8B-B14F-4D97-AF65-F5344CB8AC3E}">
-        <p14:creationId xmlns:p14="http://schemas.microsoft.com/office/powerpoint/2010/main" val="2907285664"/>
       </p:ext>
     </p:extLst>
   </p:cSld>
